--- a/Lecture/Final Project 1/Final_Project_1_Lecture.pptx
+++ b/Lecture/Final Project 1/Final_Project_1_Lecture.pptx
@@ -305,7 +305,7 @@
               <a:pPr>
                 <a:defRPr/>
               </a:pPr>
-              <a:t>9/23/2018</a:t>
+              <a:t>6/29/2020</a:t>
             </a:fld>
             <a:endParaRPr lang="en-US" dirty="0"/>
           </a:p>
@@ -517,7 +517,7 @@
               <a:pPr>
                 <a:defRPr/>
               </a:pPr>
-              <a:t>9/23/2018</a:t>
+              <a:t>6/29/2020</a:t>
             </a:fld>
             <a:endParaRPr lang="en-US" dirty="0"/>
           </a:p>
@@ -1036,7 +1036,7 @@
               <a:pPr>
                 <a:defRPr/>
               </a:pPr>
-              <a:t>9/23/2018</a:t>
+              <a:t>6/29/2020</a:t>
             </a:fld>
             <a:endParaRPr lang="en-US" dirty="0"/>
           </a:p>
@@ -1226,7 +1226,7 @@
               <a:pPr>
                 <a:defRPr/>
               </a:pPr>
-              <a:t>9/23/2018</a:t>
+              <a:t>6/29/2020</a:t>
             </a:fld>
             <a:endParaRPr lang="en-US" dirty="0"/>
           </a:p>
@@ -1426,7 +1426,7 @@
               <a:pPr>
                 <a:defRPr/>
               </a:pPr>
-              <a:t>9/23/2018</a:t>
+              <a:t>6/29/2020</a:t>
             </a:fld>
             <a:endParaRPr lang="en-US" dirty="0"/>
           </a:p>
@@ -1694,7 +1694,7 @@
               <a:pPr>
                 <a:defRPr/>
               </a:pPr>
-              <a:t>9/23/2018</a:t>
+              <a:t>6/29/2020</a:t>
             </a:fld>
             <a:endParaRPr lang="en-US" dirty="0">
               <a:solidFill>
@@ -1908,7 +1908,7 @@
               <a:pPr>
                 <a:defRPr/>
               </a:pPr>
-              <a:t>9/23/2018</a:t>
+              <a:t>6/29/2020</a:t>
             </a:fld>
             <a:endParaRPr lang="en-US" dirty="0">
               <a:solidFill>
@@ -2199,7 +2199,7 @@
               <a:pPr>
                 <a:defRPr/>
               </a:pPr>
-              <a:t>9/23/2018</a:t>
+              <a:t>6/29/2020</a:t>
             </a:fld>
             <a:endParaRPr lang="en-US" dirty="0">
               <a:solidFill>
@@ -2530,7 +2530,7 @@
               <a:pPr>
                 <a:defRPr/>
               </a:pPr>
-              <a:t>9/23/2018</a:t>
+              <a:t>6/29/2020</a:t>
             </a:fld>
             <a:endParaRPr lang="en-US" dirty="0">
               <a:solidFill>
@@ -2995,7 +2995,7 @@
               <a:pPr>
                 <a:defRPr/>
               </a:pPr>
-              <a:t>9/23/2018</a:t>
+              <a:t>6/29/2020</a:t>
             </a:fld>
             <a:endParaRPr lang="en-US" dirty="0">
               <a:solidFill>
@@ -3158,7 +3158,7 @@
               <a:pPr>
                 <a:defRPr/>
               </a:pPr>
-              <a:t>9/23/2018</a:t>
+              <a:t>6/29/2020</a:t>
             </a:fld>
             <a:endParaRPr lang="en-US" dirty="0">
               <a:solidFill>
@@ -3299,7 +3299,7 @@
               <a:pPr>
                 <a:defRPr/>
               </a:pPr>
-              <a:t>9/23/2018</a:t>
+              <a:t>6/29/2020</a:t>
             </a:fld>
             <a:endParaRPr lang="en-US" dirty="0">
               <a:solidFill>
@@ -3620,7 +3620,7 @@
               <a:pPr>
                 <a:defRPr/>
               </a:pPr>
-              <a:t>9/23/2018</a:t>
+              <a:t>6/29/2020</a:t>
             </a:fld>
             <a:endParaRPr lang="en-US" dirty="0">
               <a:solidFill>
@@ -3828,7 +3828,7 @@
               <a:pPr>
                 <a:defRPr/>
               </a:pPr>
-              <a:t>9/23/2018</a:t>
+              <a:t>6/29/2020</a:t>
             </a:fld>
             <a:endParaRPr lang="en-US" dirty="0"/>
           </a:p>
@@ -4111,7 +4111,7 @@
               <a:pPr>
                 <a:defRPr/>
               </a:pPr>
-              <a:t>9/23/2018</a:t>
+              <a:t>6/29/2020</a:t>
             </a:fld>
             <a:endParaRPr lang="en-US" dirty="0">
               <a:solidFill>
@@ -4325,7 +4325,7 @@
               <a:pPr>
                 <a:defRPr/>
               </a:pPr>
-              <a:t>9/23/2018</a:t>
+              <a:t>6/29/2020</a:t>
             </a:fld>
             <a:endParaRPr lang="en-US" dirty="0">
               <a:solidFill>
@@ -4549,7 +4549,7 @@
               <a:pPr>
                 <a:defRPr/>
               </a:pPr>
-              <a:t>9/23/2018</a:t>
+              <a:t>6/29/2020</a:t>
             </a:fld>
             <a:endParaRPr lang="en-US" dirty="0">
               <a:solidFill>
@@ -4759,7 +4759,7 @@
               <a:pPr>
                 <a:defRPr/>
               </a:pPr>
-              <a:t>9/23/2018</a:t>
+              <a:t>6/29/2020</a:t>
             </a:fld>
             <a:endParaRPr lang="en-US" dirty="0">
               <a:solidFill>
@@ -5036,7 +5036,7 @@
               <a:pPr>
                 <a:defRPr/>
               </a:pPr>
-              <a:t>9/23/2018</a:t>
+              <a:t>6/29/2020</a:t>
             </a:fld>
             <a:endParaRPr lang="en-US" dirty="0"/>
           </a:p>
@@ -5343,7 +5343,7 @@
               <a:pPr>
                 <a:defRPr/>
               </a:pPr>
-              <a:t>9/23/2018</a:t>
+              <a:t>6/29/2020</a:t>
             </a:fld>
             <a:endParaRPr lang="en-US" dirty="0"/>
           </a:p>
@@ -5784,7 +5784,7 @@
               <a:pPr>
                 <a:defRPr/>
               </a:pPr>
-              <a:t>9/23/2018</a:t>
+              <a:t>6/29/2020</a:t>
             </a:fld>
             <a:endParaRPr lang="en-US" dirty="0"/>
           </a:p>
@@ -5923,7 +5923,7 @@
               <a:pPr>
                 <a:defRPr/>
               </a:pPr>
-              <a:t>9/23/2018</a:t>
+              <a:t>6/29/2020</a:t>
             </a:fld>
             <a:endParaRPr lang="en-US" dirty="0"/>
           </a:p>
@@ -6040,7 +6040,7 @@
               <a:pPr>
                 <a:defRPr/>
               </a:pPr>
-              <a:t>9/23/2018</a:t>
+              <a:t>6/29/2020</a:t>
             </a:fld>
             <a:endParaRPr lang="en-US" dirty="0"/>
           </a:p>
@@ -6337,7 +6337,7 @@
               <a:pPr>
                 <a:defRPr/>
               </a:pPr>
-              <a:t>9/23/2018</a:t>
+              <a:t>6/29/2020</a:t>
             </a:fld>
             <a:endParaRPr lang="en-US" dirty="0"/>
           </a:p>
@@ -6614,7 +6614,7 @@
               <a:pPr>
                 <a:defRPr/>
               </a:pPr>
-              <a:t>9/23/2018</a:t>
+              <a:t>6/29/2020</a:t>
             </a:fld>
             <a:endParaRPr lang="en-US" dirty="0"/>
           </a:p>
@@ -6871,7 +6871,7 @@
               <a:pPr>
                 <a:defRPr/>
               </a:pPr>
-              <a:t>9/23/2018</a:t>
+              <a:t>6/29/2020</a:t>
             </a:fld>
             <a:endParaRPr lang="en-US" dirty="0"/>
           </a:p>
@@ -7581,7 +7581,7 @@
               <a:pPr>
                 <a:defRPr/>
               </a:pPr>
-              <a:t>9/23/2018</a:t>
+              <a:t>6/29/2020</a:t>
             </a:fld>
             <a:endParaRPr lang="en-US" dirty="0">
               <a:solidFill>
@@ -8698,7 +8698,7 @@
         <p:spPr>
           <a:xfrm>
             <a:off x="3962400" y="643467"/>
-            <a:ext cx="5029200" cy="6370975"/>
+            <a:ext cx="5029200" cy="6678751"/>
           </a:xfrm>
           <a:prstGeom prst="rect">
             <a:avLst/>
@@ -8730,7 +8730,7 @@
               <a:buChar char="•"/>
             </a:pPr>
             <a:r>
-              <a:rPr lang="en-US" dirty="0">
+              <a:rPr lang="en-US" sz="2000" dirty="0">
                 <a:solidFill>
                   <a:srgbClr val="404040"/>
                 </a:solidFill>
@@ -8744,7 +8744,7 @@
               <a:buChar char="•"/>
             </a:pPr>
             <a:r>
-              <a:rPr lang="en-US" dirty="0">
+              <a:rPr lang="en-US" sz="2000" dirty="0">
                 <a:solidFill>
                   <a:srgbClr val="404040"/>
                 </a:solidFill>
@@ -8758,7 +8758,7 @@
               <a:buChar char="•"/>
             </a:pPr>
             <a:r>
-              <a:rPr lang="en-US" dirty="0">
+              <a:rPr lang="en-US" sz="2000" dirty="0">
                 <a:solidFill>
                   <a:srgbClr val="404040"/>
                 </a:solidFill>
@@ -8771,6 +8771,17 @@
               <a:buFont typeface="Arial" panose="020B0604020202020204" pitchFamily="34" charset="0"/>
               <a:buChar char="•"/>
             </a:pPr>
+            <a:endParaRPr lang="en-US" dirty="0">
+              <a:solidFill>
+                <a:srgbClr val="404040"/>
+              </a:solidFill>
+            </a:endParaRPr>
+          </a:p>
+          <a:p>
+            <a:pPr marL="342900" indent="-342900">
+              <a:buFont typeface="Arial" panose="020B0604020202020204" pitchFamily="34" charset="0"/>
+              <a:buChar char="•"/>
+            </a:pPr>
             <a:r>
               <a:rPr lang="en-US" dirty="0">
                 <a:solidFill>
@@ -8786,7 +8797,7 @@
               <a:buChar char="•"/>
             </a:pPr>
             <a:r>
-              <a:rPr lang="en-US" dirty="0">
+              <a:rPr lang="en-US" sz="2000" dirty="0">
                 <a:solidFill>
                   <a:srgbClr val="404040"/>
                 </a:solidFill>
@@ -8800,7 +8811,7 @@
               <a:buChar char="•"/>
             </a:pPr>
             <a:r>
-              <a:rPr lang="en-US" dirty="0">
+              <a:rPr lang="en-US" sz="2000" dirty="0">
                 <a:solidFill>
                   <a:srgbClr val="404040"/>
                 </a:solidFill>
@@ -8814,7 +8825,7 @@
               <a:buChar char="•"/>
             </a:pPr>
             <a:r>
-              <a:rPr lang="en-US" dirty="0">
+              <a:rPr lang="en-US" sz="2000" dirty="0">
                 <a:solidFill>
                   <a:srgbClr val="404040"/>
                 </a:solidFill>
@@ -8828,13 +8839,49 @@
               <a:buChar char="•"/>
             </a:pPr>
             <a:r>
+              <a:rPr lang="en-US" sz="2000" dirty="0">
+                <a:solidFill>
+                  <a:srgbClr val="404040"/>
+                </a:solidFill>
+              </a:rPr>
+              <a:t>Groups of 5 = 10 Questions</a:t>
+            </a:r>
+          </a:p>
+          <a:p>
+            <a:pPr marL="800100" lvl="1" indent="-342900">
+              <a:buFont typeface="Arial" panose="020B0604020202020204" pitchFamily="34" charset="0"/>
+              <a:buChar char="•"/>
+            </a:pPr>
+            <a:endParaRPr lang="en-US" sz="2000" dirty="0">
+              <a:solidFill>
+                <a:srgbClr val="404040"/>
+              </a:solidFill>
+            </a:endParaRPr>
+          </a:p>
+          <a:p>
+            <a:pPr marL="342900" indent="-342900">
+              <a:buFont typeface="Arial" panose="020B0604020202020204" pitchFamily="34" charset="0"/>
+              <a:buChar char="•"/>
+            </a:pPr>
+            <a:r>
               <a:rPr lang="en-US" dirty="0">
                 <a:solidFill>
                   <a:srgbClr val="404040"/>
                 </a:solidFill>
               </a:rPr>
-              <a:t>Groups of 5 = 10 Questions</a:t>
-            </a:r>
+              <a:t>Delegate Your Roles (CIOD)</a:t>
+            </a:r>
+          </a:p>
+          <a:p>
+            <a:pPr marL="342900" indent="-342900">
+              <a:buFont typeface="Arial" panose="020B0604020202020204" pitchFamily="34" charset="0"/>
+              <a:buChar char="•"/>
+            </a:pPr>
+            <a:endParaRPr lang="en-US" dirty="0">
+              <a:solidFill>
+                <a:srgbClr val="404040"/>
+              </a:solidFill>
+            </a:endParaRPr>
           </a:p>
           <a:p>
             <a:pPr marL="800100" lvl="1" indent="-342900">
@@ -9098,7 +9145,7 @@
         <p:spPr>
           <a:xfrm>
             <a:off x="3962400" y="643467"/>
-            <a:ext cx="5029200" cy="6370975"/>
+            <a:ext cx="5029200" cy="6309420"/>
           </a:xfrm>
           <a:prstGeom prst="rect">
             <a:avLst/>
@@ -9121,7 +9168,7 @@
                   <a:srgbClr val="404040"/>
                 </a:solidFill>
               </a:rPr>
-              <a:t>Delegate Your Roles (CIOD)</a:t>
+              <a:t>Template Submitted in HTML via Sakai by Due Date (D)</a:t>
             </a:r>
           </a:p>
           <a:p>
@@ -9129,6 +9176,17 @@
               <a:buFont typeface="Arial" panose="020B0604020202020204" pitchFamily="34" charset="0"/>
               <a:buChar char="•"/>
             </a:pPr>
+            <a:endParaRPr lang="en-US" dirty="0">
+              <a:solidFill>
+                <a:srgbClr val="404040"/>
+              </a:solidFill>
+            </a:endParaRPr>
+          </a:p>
+          <a:p>
+            <a:pPr marL="342900" indent="-342900">
+              <a:buFont typeface="Arial" panose="020B0604020202020204" pitchFamily="34" charset="0"/>
+              <a:buChar char="•"/>
+            </a:pPr>
             <a:r>
               <a:rPr lang="en-US" dirty="0">
                 <a:solidFill>
@@ -9144,12 +9202,12 @@
               <a:buChar char="•"/>
             </a:pPr>
             <a:r>
-              <a:rPr lang="en-US" dirty="0">
+              <a:rPr lang="en-US" sz="2000" dirty="0">
                 <a:solidFill>
                   <a:srgbClr val="404040"/>
                 </a:solidFill>
               </a:rPr>
-              <a:t>Set Up Meeting in Office Hours Prior to October 5 at 5PM (5 Minute Block)</a:t>
+              <a:t>Schedule a 5 Minute Meeting in Office Hours Within 4 Days After Due Date </a:t>
             </a:r>
           </a:p>
           <a:p>
@@ -9158,13 +9216,18 @@
               <a:buChar char="•"/>
             </a:pPr>
             <a:r>
-              <a:rPr lang="en-US" dirty="0">
+              <a:rPr lang="en-US" sz="2000">
                 <a:solidFill>
                   <a:srgbClr val="404040"/>
                 </a:solidFill>
               </a:rPr>
-              <a:t>Be On Time With Computer</a:t>
-            </a:r>
+              <a:t>Have Computer With Data Ready</a:t>
+            </a:r>
+            <a:endParaRPr lang="en-US" sz="2000" dirty="0">
+              <a:solidFill>
+                <a:srgbClr val="404040"/>
+              </a:solidFill>
+            </a:endParaRPr>
           </a:p>
           <a:p>
             <a:pPr marL="800100" lvl="1" indent="-342900">
@@ -9172,12 +9235,82 @@
               <a:buChar char="•"/>
             </a:pPr>
             <a:r>
-              <a:rPr lang="en-US" dirty="0">
+              <a:rPr lang="en-US" sz="2000" dirty="0">
                 <a:solidFill>
                   <a:srgbClr val="404040"/>
                 </a:solidFill>
               </a:rPr>
-              <a:t>Have Data Ready to Show</a:t>
+              <a:t>Information on:</a:t>
+            </a:r>
+          </a:p>
+          <a:p>
+            <a:pPr marL="1257300" lvl="2" indent="-342900">
+              <a:buFont typeface="Arial" panose="020B0604020202020204" pitchFamily="34" charset="0"/>
+              <a:buChar char="•"/>
+            </a:pPr>
+            <a:r>
+              <a:rPr lang="en-US" sz="2000" dirty="0">
+                <a:solidFill>
+                  <a:srgbClr val="404040"/>
+                </a:solidFill>
+              </a:rPr>
+              <a:t>Data Source</a:t>
+            </a:r>
+          </a:p>
+          <a:p>
+            <a:pPr marL="1257300" lvl="2" indent="-342900">
+              <a:buFont typeface="Arial" panose="020B0604020202020204" pitchFamily="34" charset="0"/>
+              <a:buChar char="•"/>
+            </a:pPr>
+            <a:r>
+              <a:rPr lang="en-US" sz="2000" dirty="0">
+                <a:solidFill>
+                  <a:srgbClr val="404040"/>
+                </a:solidFill>
+              </a:rPr>
+              <a:t>Variables Contained</a:t>
+            </a:r>
+          </a:p>
+          <a:p>
+            <a:pPr marL="1257300" lvl="2" indent="-342900">
+              <a:buFont typeface="Arial" panose="020B0604020202020204" pitchFamily="34" charset="0"/>
+              <a:buChar char="•"/>
+            </a:pPr>
+            <a:r>
+              <a:rPr lang="en-US" sz="2000" dirty="0">
+                <a:solidFill>
+                  <a:srgbClr val="404040"/>
+                </a:solidFill>
+              </a:rPr>
+              <a:t>Types of Variables</a:t>
+            </a:r>
+          </a:p>
+          <a:p>
+            <a:pPr marL="1257300" lvl="2" indent="-342900">
+              <a:buFont typeface="Arial" panose="020B0604020202020204" pitchFamily="34" charset="0"/>
+              <a:buChar char="•"/>
+            </a:pPr>
+            <a:r>
+              <a:rPr lang="en-US" sz="2000" dirty="0">
+                <a:solidFill>
+                  <a:srgbClr val="404040"/>
+                </a:solidFill>
+              </a:rPr>
+              <a:t>Questions Your Group Will Investigate and Variables of Interest</a:t>
+            </a:r>
+          </a:p>
+          <a:p>
+            <a:pPr marL="1257300" lvl="2" indent="-342900">
+              <a:buFont typeface="Arial" panose="020B0604020202020204" pitchFamily="34" charset="0"/>
+              <a:buChar char="•"/>
+            </a:pPr>
+            <a:r>
+              <a:rPr lang="en-US" sz="2000" dirty="0">
+                <a:solidFill>
+                  <a:srgbClr val="404040"/>
+                </a:solidFill>
+              </a:rPr>
+              <a:t>What Roles Your Other Members Are Taking</a:t>
             </a:r>
           </a:p>
           <a:p>
@@ -9185,87 +9318,14 @@
               <a:buFont typeface="Arial" panose="020B0604020202020204" pitchFamily="34" charset="0"/>
               <a:buChar char="•"/>
             </a:pPr>
-            <a:r>
-              <a:rPr lang="en-US" dirty="0">
-                <a:solidFill>
-                  <a:srgbClr val="404040"/>
-                </a:solidFill>
-              </a:rPr>
-              <a:t>Information on:</a:t>
-            </a:r>
-          </a:p>
-          <a:p>
-            <a:pPr marL="1257300" lvl="2" indent="-342900">
-              <a:buFont typeface="Arial" panose="020B0604020202020204" pitchFamily="34" charset="0"/>
-              <a:buChar char="•"/>
-            </a:pPr>
-            <a:r>
-              <a:rPr lang="en-US" dirty="0">
-                <a:solidFill>
-                  <a:srgbClr val="404040"/>
-                </a:solidFill>
-              </a:rPr>
-              <a:t>Data Source</a:t>
-            </a:r>
-          </a:p>
-          <a:p>
-            <a:pPr marL="1257300" lvl="2" indent="-342900">
-              <a:buFont typeface="Arial" panose="020B0604020202020204" pitchFamily="34" charset="0"/>
-              <a:buChar char="•"/>
-            </a:pPr>
-            <a:r>
-              <a:rPr lang="en-US" dirty="0">
-                <a:solidFill>
-                  <a:srgbClr val="404040"/>
-                </a:solidFill>
-              </a:rPr>
-              <a:t>Variables Contained</a:t>
-            </a:r>
-          </a:p>
-          <a:p>
-            <a:pPr marL="1257300" lvl="2" indent="-342900">
-              <a:buFont typeface="Arial" panose="020B0604020202020204" pitchFamily="34" charset="0"/>
-              <a:buChar char="•"/>
-            </a:pPr>
-            <a:r>
-              <a:rPr lang="en-US" dirty="0">
-                <a:solidFill>
-                  <a:srgbClr val="404040"/>
-                </a:solidFill>
-              </a:rPr>
-              <a:t>Types of Variables</a:t>
-            </a:r>
-          </a:p>
-          <a:p>
-            <a:pPr marL="1257300" lvl="2" indent="-342900">
-              <a:buFont typeface="Arial" panose="020B0604020202020204" pitchFamily="34" charset="0"/>
-              <a:buChar char="•"/>
-            </a:pPr>
-            <a:r>
-              <a:rPr lang="en-US" dirty="0">
-                <a:solidFill>
-                  <a:srgbClr val="404040"/>
-                </a:solidFill>
-              </a:rPr>
-              <a:t>Questions Your Group Will Investigate and Variables of Interest</a:t>
-            </a:r>
-          </a:p>
-          <a:p>
-            <a:pPr marL="1257300" lvl="2" indent="-342900">
-              <a:buFont typeface="Arial" panose="020B0604020202020204" pitchFamily="34" charset="0"/>
-              <a:buChar char="•"/>
-            </a:pPr>
-            <a:r>
-              <a:rPr lang="en-US" dirty="0">
-                <a:solidFill>
-                  <a:srgbClr val="404040"/>
-                </a:solidFill>
-              </a:rPr>
-              <a:t>What Roles Your Other Members Are Taking</a:t>
-            </a:r>
-          </a:p>
-          <a:p>
-            <a:pPr marL="800100" lvl="1" indent="-342900">
+            <a:endParaRPr lang="en-US" dirty="0">
+              <a:solidFill>
+                <a:srgbClr val="404040"/>
+              </a:solidFill>
+            </a:endParaRPr>
+          </a:p>
+          <a:p>
+            <a:pPr marL="342900" indent="-342900">
               <a:buFont typeface="Arial" panose="020B0604020202020204" pitchFamily="34" charset="0"/>
               <a:buChar char="•"/>
             </a:pPr>
@@ -9526,7 +9586,7 @@
         <p:spPr>
           <a:xfrm>
             <a:off x="3962400" y="533400"/>
-            <a:ext cx="5029200" cy="6370975"/>
+            <a:ext cx="5029200" cy="6186309"/>
           </a:xfrm>
           <a:prstGeom prst="rect">
             <a:avLst/>
@@ -9558,7 +9618,7 @@
               <a:buChar char="•"/>
             </a:pPr>
             <a:r>
-              <a:rPr lang="en-US" dirty="0">
+              <a:rPr lang="en-US" sz="2000" dirty="0">
                 <a:solidFill>
                   <a:srgbClr val="404040"/>
                 </a:solidFill>
@@ -9572,7 +9632,7 @@
               <a:buChar char="•"/>
             </a:pPr>
             <a:r>
-              <a:rPr lang="en-US" dirty="0">
+              <a:rPr lang="en-US" sz="2000" dirty="0">
                 <a:solidFill>
                   <a:srgbClr val="404040"/>
                 </a:solidFill>
@@ -9586,7 +9646,7 @@
               <a:buChar char="•"/>
             </a:pPr>
             <a:r>
-              <a:rPr lang="en-US" dirty="0">
+              <a:rPr lang="en-US" sz="2000" dirty="0">
                 <a:solidFill>
                   <a:srgbClr val="404040"/>
                 </a:solidFill>
@@ -9599,6 +9659,17 @@
               <a:buFont typeface="Arial" panose="020B0604020202020204" pitchFamily="34" charset="0"/>
               <a:buChar char="•"/>
             </a:pPr>
+            <a:endParaRPr lang="en-US" dirty="0">
+              <a:solidFill>
+                <a:srgbClr val="404040"/>
+              </a:solidFill>
+            </a:endParaRPr>
+          </a:p>
+          <a:p>
+            <a:pPr marL="342900" indent="-342900">
+              <a:buFont typeface="Arial" panose="020B0604020202020204" pitchFamily="34" charset="0"/>
+              <a:buChar char="•"/>
+            </a:pPr>
             <a:r>
               <a:rPr lang="en-US" dirty="0">
                 <a:solidFill>
@@ -9614,12 +9685,26 @@
               <a:buChar char="•"/>
             </a:pPr>
             <a:r>
-              <a:rPr lang="en-US" dirty="0">
+              <a:rPr lang="en-US" sz="2000" dirty="0">
                 <a:solidFill>
                   <a:srgbClr val="404040"/>
                 </a:solidFill>
               </a:rPr>
-              <a:t>As a Group Propose 4 Additional Questions You Want to Explore for Statistical Significance Based on What You Found in Pursuit of Answering Initial Questions</a:t>
+              <a:t>Propose 4 Additional Questions You Want to Explore for Statistical Significance Based on What You Found in Pursuit of Answering Initial Questions</a:t>
+            </a:r>
+          </a:p>
+          <a:p>
+            <a:pPr marL="800100" lvl="1" indent="-342900">
+              <a:buFont typeface="Arial" panose="020B0604020202020204" pitchFamily="34" charset="0"/>
+              <a:buChar char="•"/>
+            </a:pPr>
+            <a:r>
+              <a:rPr lang="en-US" sz="2000" dirty="0">
+                <a:solidFill>
+                  <a:srgbClr val="404040"/>
+                </a:solidFill>
+              </a:rPr>
+              <a:t>Attempt Some Basic Modeling to Answer These Questions or Perform Statistical Tests</a:t>
             </a:r>
           </a:p>
         </p:txBody>
@@ -9873,7 +9958,7 @@
         <p:spPr>
           <a:xfrm>
             <a:off x="3962400" y="643467"/>
-            <a:ext cx="5029200" cy="5632311"/>
+            <a:ext cx="5029200" cy="4955203"/>
           </a:xfrm>
           <a:prstGeom prst="rect">
             <a:avLst/>
@@ -9905,7 +9990,7 @@
               <a:buChar char="•"/>
             </a:pPr>
             <a:r>
-              <a:rPr lang="en-US" dirty="0">
+              <a:rPr lang="en-US" sz="2000" dirty="0">
                 <a:solidFill>
                   <a:srgbClr val="404040"/>
                 </a:solidFill>
@@ -9918,6 +10003,17 @@
               <a:buFont typeface="Arial" panose="020B0604020202020204" pitchFamily="34" charset="0"/>
               <a:buChar char="•"/>
             </a:pPr>
+            <a:endParaRPr lang="en-US" dirty="0">
+              <a:solidFill>
+                <a:srgbClr val="404040"/>
+              </a:solidFill>
+            </a:endParaRPr>
+          </a:p>
+          <a:p>
+            <a:pPr marL="342900" indent="-342900">
+              <a:buFont typeface="Arial" panose="020B0604020202020204" pitchFamily="34" charset="0"/>
+              <a:buChar char="•"/>
+            </a:pPr>
             <a:r>
               <a:rPr lang="en-US" dirty="0">
                 <a:solidFill>
@@ -9933,7 +10029,7 @@
               <a:buChar char="•"/>
             </a:pPr>
             <a:r>
-              <a:rPr lang="en-US" dirty="0">
+              <a:rPr lang="en-US" sz="2000" dirty="0">
                 <a:solidFill>
                   <a:srgbClr val="404040"/>
                 </a:solidFill>
@@ -9941,7 +10037,7 @@
               <a:t>Follow </a:t>
             </a:r>
             <a:r>
-              <a:rPr lang="en-US" dirty="0" err="1">
+              <a:rPr lang="en-US" sz="2000" dirty="0" err="1">
                 <a:solidFill>
                   <a:srgbClr val="404040"/>
                 </a:solidFill>
@@ -9949,7 +10045,7 @@
               <a:t>Rmarkdown</a:t>
             </a:r>
             <a:r>
-              <a:rPr lang="en-US" dirty="0">
+              <a:rPr lang="en-US" sz="2000" dirty="0">
                 <a:solidFill>
                   <a:srgbClr val="404040"/>
                 </a:solidFill>
@@ -9963,7 +10059,7 @@
               <a:buChar char="•"/>
             </a:pPr>
             <a:r>
-              <a:rPr lang="en-US" dirty="0">
+              <a:rPr lang="en-US" sz="2000" dirty="0">
                 <a:solidFill>
                   <a:srgbClr val="404040"/>
                 </a:solidFill>
@@ -9977,7 +10073,7 @@
               <a:buChar char="•"/>
             </a:pPr>
             <a:r>
-              <a:rPr lang="en-US" dirty="0">
+              <a:rPr lang="en-US" sz="2000" dirty="0">
                 <a:solidFill>
                   <a:srgbClr val="404040"/>
                 </a:solidFill>
@@ -9991,7 +10087,7 @@
               <a:buChar char="•"/>
             </a:pPr>
             <a:r>
-              <a:rPr lang="en-US" dirty="0">
+              <a:rPr lang="en-US" sz="2000" dirty="0">
                 <a:solidFill>
                   <a:srgbClr val="404040"/>
                 </a:solidFill>
@@ -10250,7 +10346,7 @@
         <p:spPr>
           <a:xfrm>
             <a:off x="3810000" y="643467"/>
-            <a:ext cx="5413690" cy="6001643"/>
+            <a:ext cx="5413690" cy="5201424"/>
           </a:xfrm>
           <a:prstGeom prst="rect">
             <a:avLst/>
@@ -10282,12 +10378,37 @@
               <a:buChar char="•"/>
             </a:pPr>
             <a:r>
-              <a:rPr lang="en-US" dirty="0">
+              <a:rPr lang="en-US" sz="2000" dirty="0">
                 <a:solidFill>
                   <a:srgbClr val="404040"/>
                 </a:solidFill>
               </a:rPr>
               <a:t>Paragraph 1: Describes what you learned from your investigation of the initial questions.</a:t>
+            </a:r>
+          </a:p>
+          <a:p>
+            <a:pPr marL="800100" lvl="1" indent="-342900">
+              <a:buFont typeface="Arial" panose="020B0604020202020204" pitchFamily="34" charset="0"/>
+              <a:buChar char="•"/>
+            </a:pPr>
+            <a:endParaRPr lang="en-US" sz="2000" dirty="0">
+              <a:solidFill>
+                <a:srgbClr val="404040"/>
+              </a:solidFill>
+            </a:endParaRPr>
+          </a:p>
+          <a:p>
+            <a:pPr marL="800100" lvl="1" indent="-342900">
+              <a:buFont typeface="Arial" panose="020B0604020202020204" pitchFamily="34" charset="0"/>
+              <a:buChar char="•"/>
+            </a:pPr>
+            <a:r>
+              <a:rPr lang="en-US" sz="2000" dirty="0">
+                <a:solidFill>
+                  <a:srgbClr val="404040"/>
+                </a:solidFill>
+              </a:rPr>
+              <a:t>Paragraph 2: Describes what you learned from your investigation of the follow-up questions</a:t>
             </a:r>
           </a:p>
           <a:p>
@@ -10299,7 +10420,7 @@
             </a:endParaRPr>
           </a:p>
           <a:p>
-            <a:pPr marL="800100" lvl="1" indent="-342900">
+            <a:pPr marL="342900" indent="-342900">
               <a:buFont typeface="Arial" panose="020B0604020202020204" pitchFamily="34" charset="0"/>
               <a:buChar char="•"/>
             </a:pPr>
@@ -10309,11 +10430,14 @@
                   <a:srgbClr val="404040"/>
                 </a:solidFill>
               </a:rPr>
-              <a:t>Paragraph 2: Describes what you learned from your investigation of the follow-up questions</a:t>
-            </a:r>
-          </a:p>
-          <a:p>
-            <a:pPr lvl="2"/>
+              <a:t>Template Submitted in HTML via Sakai by Due Date (D)</a:t>
+            </a:r>
+          </a:p>
+          <a:p>
+            <a:pPr marL="342900" indent="-342900">
+              <a:buFont typeface="Arial" panose="020B0604020202020204" pitchFamily="34" charset="0"/>
+              <a:buChar char="•"/>
+            </a:pPr>
             <a:endParaRPr lang="en-US" dirty="0">
               <a:solidFill>
                 <a:srgbClr val="404040"/>
@@ -10326,45 +10450,12 @@
               <a:buChar char="•"/>
             </a:pPr>
             <a:r>
-              <a:rPr lang="en-US" dirty="0" err="1">
+              <a:rPr lang="en-US" dirty="0">
                 <a:solidFill>
                   <a:srgbClr val="404040"/>
                 </a:solidFill>
               </a:rPr>
-              <a:t>Rmarkdown</a:t>
-            </a:r>
-            <a:r>
-              <a:rPr lang="en-US" dirty="0">
-                <a:solidFill>
-                  <a:srgbClr val="404040"/>
-                </a:solidFill>
-              </a:rPr>
-              <a:t> Template Should be Edited, Proofread, and Submitted in HTML via Sakai by Due Date. (D)</a:t>
-            </a:r>
-          </a:p>
-          <a:p>
-            <a:pPr marL="342900" indent="-342900">
-              <a:buFont typeface="Arial" panose="020B0604020202020204" pitchFamily="34" charset="0"/>
-              <a:buChar char="•"/>
-            </a:pPr>
-            <a:endParaRPr lang="en-US" dirty="0">
-              <a:solidFill>
-                <a:srgbClr val="404040"/>
-              </a:solidFill>
-            </a:endParaRPr>
-          </a:p>
-          <a:p>
-            <a:pPr marL="342900" indent="-342900">
-              <a:buFont typeface="Arial" panose="020B0604020202020204" pitchFamily="34" charset="0"/>
-              <a:buChar char="•"/>
-            </a:pPr>
-            <a:r>
-              <a:rPr lang="en-US" dirty="0">
-                <a:solidFill>
-                  <a:srgbClr val="404040"/>
-                </a:solidFill>
-              </a:rPr>
-              <a:t>5-Minute Presentation (I)</a:t>
+              <a:t>Schedule a 10-Minute Presentation in Office Hours within 4 Days After Due Date (I)</a:t>
             </a:r>
           </a:p>
         </p:txBody>
@@ -10604,7 +10695,7 @@
         <p:spPr>
           <a:xfrm>
             <a:off x="3882710" y="643467"/>
-            <a:ext cx="5257800" cy="4154984"/>
+            <a:ext cx="5257800" cy="2923877"/>
           </a:xfrm>
           <a:prstGeom prst="rect">
             <a:avLst/>
@@ -10636,7 +10727,7 @@
               <a:buChar char="•"/>
             </a:pPr>
             <a:r>
-              <a:rPr lang="en-US" dirty="0">
+              <a:rPr lang="en-US" sz="2000" dirty="0">
                 <a:solidFill>
                   <a:srgbClr val="404040"/>
                 </a:solidFill>
@@ -10650,7 +10741,7 @@
               <a:buChar char="•"/>
             </a:pPr>
             <a:r>
-              <a:rPr lang="en-US" dirty="0">
+              <a:rPr lang="en-US" sz="2000" dirty="0">
                 <a:solidFill>
                   <a:srgbClr val="404040"/>
                 </a:solidFill>
@@ -10664,7 +10755,7 @@
               <a:buChar char="•"/>
             </a:pPr>
             <a:r>
-              <a:rPr lang="en-US" dirty="0">
+              <a:rPr lang="en-US" sz="2000" dirty="0">
                 <a:solidFill>
                   <a:srgbClr val="404040"/>
                 </a:solidFill>
@@ -10678,7 +10769,7 @@
               <a:buChar char="•"/>
             </a:pPr>
             <a:r>
-              <a:rPr lang="en-US" dirty="0">
+              <a:rPr lang="en-US" sz="2000" dirty="0">
                 <a:solidFill>
                   <a:srgbClr val="404040"/>
                 </a:solidFill>
@@ -10923,7 +11014,7 @@
         <p:spPr>
           <a:xfrm>
             <a:off x="3882710" y="643467"/>
-            <a:ext cx="5257800" cy="5262979"/>
+            <a:ext cx="5257800" cy="4154984"/>
           </a:xfrm>
           <a:prstGeom prst="rect">
             <a:avLst/>
@@ -10955,7 +11046,7 @@
               <a:buChar char="•"/>
             </a:pPr>
             <a:r>
-              <a:rPr lang="en-US" dirty="0">
+              <a:rPr lang="en-US" sz="2000" dirty="0">
                 <a:solidFill>
                   <a:srgbClr val="404040"/>
                 </a:solidFill>
@@ -10969,7 +11060,7 @@
               <a:buChar char="•"/>
             </a:pPr>
             <a:r>
-              <a:rPr lang="en-US" dirty="0">
+              <a:rPr lang="en-US" sz="2000" dirty="0">
                 <a:solidFill>
                   <a:srgbClr val="404040"/>
                 </a:solidFill>
@@ -10983,7 +11074,7 @@
               <a:buChar char="•"/>
             </a:pPr>
             <a:r>
-              <a:rPr lang="en-US" dirty="0">
+              <a:rPr lang="en-US" sz="2000" dirty="0">
                 <a:solidFill>
                   <a:srgbClr val="404040"/>
                 </a:solidFill>
@@ -10997,7 +11088,7 @@
               <a:buChar char="•"/>
             </a:pPr>
             <a:r>
-              <a:rPr lang="en-US" dirty="0">
+              <a:rPr lang="en-US" sz="2000" dirty="0">
                 <a:solidFill>
                   <a:srgbClr val="404040"/>
                 </a:solidFill>
@@ -11011,7 +11102,7 @@
               <a:buChar char="•"/>
             </a:pPr>
             <a:r>
-              <a:rPr lang="en-US" dirty="0">
+              <a:rPr lang="en-US" sz="2000" dirty="0">
                 <a:solidFill>
                   <a:srgbClr val="404040"/>
                 </a:solidFill>
@@ -11256,7 +11347,7 @@
         <p:spPr>
           <a:xfrm>
             <a:off x="3882710" y="643467"/>
-            <a:ext cx="5257800" cy="5632311"/>
+            <a:ext cx="5257800" cy="4154984"/>
           </a:xfrm>
           <a:prstGeom prst="rect">
             <a:avLst/>
@@ -11288,7 +11379,7 @@
               <a:buChar char="•"/>
             </a:pPr>
             <a:r>
-              <a:rPr lang="en-US" dirty="0">
+              <a:rPr lang="en-US" sz="2000" dirty="0">
                 <a:solidFill>
                   <a:srgbClr val="404040"/>
                 </a:solidFill>
@@ -11302,7 +11393,7 @@
               <a:buChar char="•"/>
             </a:pPr>
             <a:r>
-              <a:rPr lang="en-US" dirty="0">
+              <a:rPr lang="en-US" sz="2000" dirty="0">
                 <a:solidFill>
                   <a:srgbClr val="404040"/>
                 </a:solidFill>
@@ -11316,7 +11407,7 @@
               <a:buChar char="•"/>
             </a:pPr>
             <a:r>
-              <a:rPr lang="en-US" dirty="0">
+              <a:rPr lang="en-US" sz="2000" dirty="0">
                 <a:solidFill>
                   <a:srgbClr val="404040"/>
                 </a:solidFill>
@@ -11330,12 +11421,12 @@
               <a:buChar char="•"/>
             </a:pPr>
             <a:r>
-              <a:rPr lang="en-US" dirty="0">
+              <a:rPr lang="en-US" sz="2000" dirty="0">
                 <a:solidFill>
                   <a:srgbClr val="404040"/>
                 </a:solidFill>
               </a:rPr>
-              <a:t>You Will Rank Every Member of Your Group on a 1-4 Scale from Least Helpful to Most Helpful</a:t>
+              <a:t>You Will Score Every Member of Your Group on a 0-5 Scale from Least Helpful to Most Helpful</a:t>
             </a:r>
           </a:p>
           <a:p>
@@ -11344,7 +11435,7 @@
               <a:buChar char="•"/>
             </a:pPr>
             <a:r>
-              <a:rPr lang="en-US" dirty="0">
+              <a:rPr lang="en-US" sz="2000" dirty="0">
                 <a:solidFill>
                   <a:srgbClr val="404040"/>
                 </a:solidFill>
@@ -12256,7 +12347,7 @@
         <p:spPr>
           <a:xfrm>
             <a:off x="3962400" y="643467"/>
-            <a:ext cx="5029200" cy="6001643"/>
+            <a:ext cx="5029200" cy="5139869"/>
           </a:xfrm>
           <a:prstGeom prst="rect">
             <a:avLst/>
@@ -12288,7 +12379,7 @@
               <a:buChar char="•"/>
             </a:pPr>
             <a:r>
-              <a:rPr lang="en-US" dirty="0">
+              <a:rPr lang="en-US" sz="2000" dirty="0">
                 <a:solidFill>
                   <a:srgbClr val="404040"/>
                 </a:solidFill>
@@ -12302,7 +12393,7 @@
               <a:buChar char="•"/>
             </a:pPr>
             <a:r>
-              <a:rPr lang="en-US" dirty="0">
+              <a:rPr lang="en-US" sz="2000" dirty="0">
                 <a:solidFill>
                   <a:srgbClr val="404040"/>
                 </a:solidFill>
@@ -12316,7 +12407,7 @@
               <a:buChar char="•"/>
             </a:pPr>
             <a:r>
-              <a:rPr lang="en-US" dirty="0">
+              <a:rPr lang="en-US" sz="2000" dirty="0">
                 <a:solidFill>
                   <a:srgbClr val="404040"/>
                 </a:solidFill>
@@ -12330,7 +12421,7 @@
               <a:buChar char="•"/>
             </a:pPr>
             <a:r>
-              <a:rPr lang="en-US" dirty="0">
+              <a:rPr lang="en-US" sz="2000" dirty="0">
                 <a:solidFill>
                   <a:srgbClr val="404040"/>
                 </a:solidFill>
@@ -12360,7 +12451,7 @@
                   <a:srgbClr val="404040"/>
                 </a:solidFill>
               </a:rPr>
-              <a:t>Randomly Assigned to Research Groups of 4 (or 5)</a:t>
+              <a:t>Randomly Assigned to Research Groups of 4 or 5</a:t>
             </a:r>
           </a:p>
           <a:p>
@@ -12394,7 +12485,7 @@
               <a:buChar char="•"/>
             </a:pPr>
             <a:r>
-              <a:rPr lang="en-US" dirty="0">
+              <a:rPr lang="en-US" sz="2000" dirty="0">
                 <a:solidFill>
                   <a:srgbClr val="404040"/>
                 </a:solidFill>
@@ -12408,28 +12499,12 @@
               <a:buChar char="•"/>
             </a:pPr>
             <a:r>
-              <a:rPr lang="en-US" dirty="0">
+              <a:rPr lang="en-US" sz="2000" dirty="0">
                 <a:solidFill>
                   <a:srgbClr val="404040"/>
                 </a:solidFill>
               </a:rPr>
-              <a:t>Exploratory Data </a:t>
-            </a:r>
-            <a:r>
-              <a:rPr lang="en-US">
-                <a:solidFill>
-                  <a:srgbClr val="404040"/>
-                </a:solidFill>
-              </a:rPr>
-              <a:t>Analysis  (20 </a:t>
-            </a:r>
-            <a:r>
-              <a:rPr lang="en-US" dirty="0">
-                <a:solidFill>
-                  <a:srgbClr val="404040"/>
-                </a:solidFill>
-              </a:rPr>
-              <a:t>Pts)</a:t>
+              <a:t>Exploratory Data Analysis  (20 Pts)</a:t>
             </a:r>
           </a:p>
           <a:p>
@@ -12438,7 +12513,7 @@
               <a:buChar char="•"/>
             </a:pPr>
             <a:r>
-              <a:rPr lang="en-US" dirty="0">
+              <a:rPr lang="en-US" sz="2000" dirty="0">
                 <a:solidFill>
                   <a:srgbClr val="404040"/>
                 </a:solidFill>
@@ -12452,7 +12527,7 @@
               <a:buChar char="•"/>
             </a:pPr>
             <a:r>
-              <a:rPr lang="en-US" dirty="0">
+              <a:rPr lang="en-US" sz="2000" dirty="0">
                 <a:solidFill>
                   <a:srgbClr val="404040"/>
                 </a:solidFill>
@@ -12701,7 +12776,7 @@
         <p:spPr>
           <a:xfrm>
             <a:off x="3962400" y="643467"/>
-            <a:ext cx="5029200" cy="4893647"/>
+            <a:ext cx="5029200" cy="3600986"/>
           </a:xfrm>
           <a:prstGeom prst="rect">
             <a:avLst/>
@@ -12733,7 +12808,7 @@
               <a:buChar char="•"/>
             </a:pPr>
             <a:r>
-              <a:rPr lang="en-US" dirty="0">
+              <a:rPr lang="en-US" sz="2000" dirty="0">
                 <a:solidFill>
                   <a:srgbClr val="404040"/>
                 </a:solidFill>
@@ -12747,7 +12822,7 @@
               <a:buChar char="•"/>
             </a:pPr>
             <a:r>
-              <a:rPr lang="en-US" dirty="0">
+              <a:rPr lang="en-US" sz="2000" dirty="0">
                 <a:solidFill>
                   <a:srgbClr val="404040"/>
                 </a:solidFill>
@@ -12761,7 +12836,7 @@
               <a:buChar char="•"/>
             </a:pPr>
             <a:r>
-              <a:rPr lang="en-US" dirty="0">
+              <a:rPr lang="en-US" sz="2000" dirty="0">
                 <a:solidFill>
                   <a:srgbClr val="404040"/>
                 </a:solidFill>
@@ -12775,7 +12850,7 @@
               <a:buChar char="•"/>
             </a:pPr>
             <a:r>
-              <a:rPr lang="en-US" dirty="0">
+              <a:rPr lang="en-US" sz="2000" dirty="0">
                 <a:solidFill>
                   <a:srgbClr val="404040"/>
                 </a:solidFill>
@@ -12789,7 +12864,7 @@
               <a:buChar char="•"/>
             </a:pPr>
             <a:r>
-              <a:rPr lang="en-US" dirty="0">
+              <a:rPr lang="en-US" sz="2000" dirty="0">
                 <a:solidFill>
                   <a:srgbClr val="404040"/>
                 </a:solidFill>
@@ -12803,7 +12878,7 @@
               <a:buChar char="•"/>
             </a:pPr>
             <a:r>
-              <a:rPr lang="en-US" dirty="0">
+              <a:rPr lang="en-US" sz="2000" dirty="0">
                 <a:solidFill>
                   <a:srgbClr val="404040"/>
                 </a:solidFill>
@@ -13052,7 +13127,7 @@
         <p:spPr>
           <a:xfrm>
             <a:off x="3962400" y="643467"/>
-            <a:ext cx="5029200" cy="6001643"/>
+            <a:ext cx="5029200" cy="4770537"/>
           </a:xfrm>
           <a:prstGeom prst="rect">
             <a:avLst/>
@@ -13084,7 +13159,7 @@
               <a:buChar char="•"/>
             </a:pPr>
             <a:r>
-              <a:rPr lang="en-US" dirty="0">
+              <a:rPr lang="en-US" sz="2000" dirty="0">
                 <a:solidFill>
                   <a:srgbClr val="404040"/>
                 </a:solidFill>
@@ -13098,7 +13173,7 @@
               <a:buChar char="•"/>
             </a:pPr>
             <a:r>
-              <a:rPr lang="en-US" dirty="0">
+              <a:rPr lang="en-US" sz="2000" dirty="0">
                 <a:solidFill>
                   <a:srgbClr val="404040"/>
                 </a:solidFill>
@@ -13112,7 +13187,7 @@
               <a:buChar char="•"/>
             </a:pPr>
             <a:r>
-              <a:rPr lang="en-US" dirty="0">
+              <a:rPr lang="en-US" sz="2000" dirty="0">
                 <a:solidFill>
                   <a:srgbClr val="404040"/>
                 </a:solidFill>
@@ -13126,7 +13201,7 @@
               <a:buChar char="•"/>
             </a:pPr>
             <a:r>
-              <a:rPr lang="en-US" dirty="0">
+              <a:rPr lang="en-US" sz="2000" dirty="0">
                 <a:solidFill>
                   <a:srgbClr val="404040"/>
                 </a:solidFill>
@@ -13140,7 +13215,7 @@
               <a:buChar char="•"/>
             </a:pPr>
             <a:r>
-              <a:rPr lang="en-US" dirty="0">
+              <a:rPr lang="en-US" sz="2000" dirty="0">
                 <a:solidFill>
                   <a:srgbClr val="404040"/>
                 </a:solidFill>
@@ -13154,7 +13229,7 @@
               <a:buChar char="•"/>
             </a:pPr>
             <a:r>
-              <a:rPr lang="en-US" dirty="0">
+              <a:rPr lang="en-US" sz="2000" dirty="0">
                 <a:solidFill>
                   <a:srgbClr val="404040"/>
                 </a:solidFill>
@@ -13168,12 +13243,12 @@
               <a:buChar char="•"/>
             </a:pPr>
             <a:r>
-              <a:rPr lang="en-US" dirty="0">
+              <a:rPr lang="en-US" sz="2000" dirty="0">
                 <a:solidFill>
                   <a:srgbClr val="404040"/>
                 </a:solidFill>
               </a:rPr>
-              <a:t>Partially Subjective:</a:t>
+              <a:t>Partially Subjective</a:t>
             </a:r>
           </a:p>
           <a:p>
@@ -13182,12 +13257,12 @@
               <a:buChar char="•"/>
             </a:pPr>
             <a:r>
-              <a:rPr lang="en-US" dirty="0">
+              <a:rPr lang="en-US" sz="2000" dirty="0">
                 <a:solidFill>
                   <a:srgbClr val="404040"/>
                 </a:solidFill>
               </a:rPr>
-              <a:t>Verbal Communication</a:t>
+              <a:t>Interest Level</a:t>
             </a:r>
           </a:p>
           <a:p>
@@ -13196,12 +13271,12 @@
               <a:buChar char="•"/>
             </a:pPr>
             <a:r>
-              <a:rPr lang="en-US" dirty="0">
+              <a:rPr lang="en-US" sz="2000" dirty="0">
                 <a:solidFill>
                   <a:srgbClr val="404040"/>
                 </a:solidFill>
               </a:rPr>
-              <a:t>Written Communication</a:t>
+              <a:t>Verbal Communication</a:t>
             </a:r>
           </a:p>
           <a:p>
@@ -13210,7 +13285,21 @@
               <a:buChar char="•"/>
             </a:pPr>
             <a:r>
-              <a:rPr lang="en-US" dirty="0">
+              <a:rPr lang="en-US" sz="2000" dirty="0">
+                <a:solidFill>
+                  <a:srgbClr val="404040"/>
+                </a:solidFill>
+              </a:rPr>
+              <a:t>Written Communication</a:t>
+            </a:r>
+          </a:p>
+          <a:p>
+            <a:pPr marL="1257300" lvl="2" indent="-342900">
+              <a:buFont typeface="Arial" panose="020B0604020202020204" pitchFamily="34" charset="0"/>
+              <a:buChar char="•"/>
+            </a:pPr>
+            <a:r>
+              <a:rPr lang="en-US" sz="2000" dirty="0">
                 <a:solidFill>
                   <a:srgbClr val="404040"/>
                 </a:solidFill>
@@ -13224,12 +13313,12 @@
               <a:buChar char="•"/>
             </a:pPr>
             <a:r>
-              <a:rPr lang="en-US" dirty="0">
+              <a:rPr lang="en-US" sz="2000" dirty="0">
                 <a:solidFill>
                   <a:srgbClr val="404040"/>
                 </a:solidFill>
               </a:rPr>
-              <a:t>4 Points of the Final Written Paper Based on Your Average Rank</a:t>
+              <a:t>5 Points of the Final Written Paper Based on Peer Scoring</a:t>
             </a:r>
           </a:p>
         </p:txBody>
@@ -13462,7 +13551,7 @@
         <p:spPr>
           <a:xfrm>
             <a:off x="3962400" y="643467"/>
-            <a:ext cx="5181600" cy="6001643"/>
+            <a:ext cx="5181600" cy="5693866"/>
           </a:xfrm>
           <a:prstGeom prst="rect">
             <a:avLst/>
@@ -13519,12 +13608,12 @@
               <a:buChar char="•"/>
             </a:pPr>
             <a:r>
-              <a:rPr lang="en-US" dirty="0">
+              <a:rPr lang="en-US" sz="2000" dirty="0">
                 <a:solidFill>
                   <a:srgbClr val="404040"/>
                 </a:solidFill>
               </a:rPr>
-              <a:t>Schedule a 5 Minute Meeting with Dr. Mario or Sir Thomas Keefe in Office Hours</a:t>
+              <a:t>Schedule a 5 Minute Meeting with Dr. Mario in Office Hours</a:t>
             </a:r>
           </a:p>
           <a:p>
@@ -13533,7 +13622,7 @@
               <a:buChar char="•"/>
             </a:pPr>
             <a:r>
-              <a:rPr lang="en-US" dirty="0">
+              <a:rPr lang="en-US" sz="2000" dirty="0">
                 <a:solidFill>
                   <a:srgbClr val="404040"/>
                 </a:solidFill>
@@ -13547,7 +13636,7 @@
               <a:buChar char="•"/>
             </a:pPr>
             <a:r>
-              <a:rPr lang="en-US" dirty="0">
+              <a:rPr lang="en-US" sz="2000" dirty="0">
                 <a:solidFill>
                   <a:srgbClr val="404040"/>
                 </a:solidFill>
@@ -13561,12 +13650,26 @@
               <a:buChar char="•"/>
             </a:pPr>
             <a:r>
-              <a:rPr lang="en-US" dirty="0">
+              <a:rPr lang="en-US" sz="2000" dirty="0">
                 <a:solidFill>
                   <a:srgbClr val="404040"/>
                 </a:solidFill>
               </a:rPr>
               <a:t>State the Roles the Other Members Have Chosen</a:t>
+            </a:r>
+          </a:p>
+          <a:p>
+            <a:pPr marL="800100" lvl="1" indent="-342900">
+              <a:buFont typeface="Arial" panose="020B0604020202020204" pitchFamily="34" charset="0"/>
+              <a:buChar char="•"/>
+            </a:pPr>
+            <a:r>
+              <a:rPr lang="en-US" sz="2000" dirty="0">
+                <a:solidFill>
+                  <a:srgbClr val="404040"/>
+                </a:solidFill>
+              </a:rPr>
+              <a:t>Lead Designer in Slides for Final Presentation</a:t>
             </a:r>
           </a:p>
           <a:p>
@@ -13810,7 +13913,7 @@
         <p:spPr>
           <a:xfrm>
             <a:off x="3962400" y="643467"/>
-            <a:ext cx="5029200" cy="4893647"/>
+            <a:ext cx="5029200" cy="3847207"/>
           </a:xfrm>
           <a:prstGeom prst="rect">
             <a:avLst/>
@@ -13842,12 +13945,12 @@
               <a:buChar char="•"/>
             </a:pPr>
             <a:r>
-              <a:rPr lang="en-US" dirty="0">
+              <a:rPr lang="en-US" sz="2000" dirty="0">
                 <a:solidFill>
                   <a:srgbClr val="404040"/>
                 </a:solidFill>
               </a:rPr>
-              <a:t>Schedule a 5 Minute Meeting with Dr. Mario or Sir Thomas Keefe in Office Hours</a:t>
+              <a:t>Schedule a 10 Minute Meeting with Dr. Mario</a:t>
             </a:r>
           </a:p>
           <a:p>
@@ -13856,12 +13959,12 @@
               <a:buChar char="•"/>
             </a:pPr>
             <a:r>
-              <a:rPr lang="en-US" dirty="0">
+              <a:rPr lang="en-US" sz="2000" dirty="0">
                 <a:solidFill>
                   <a:srgbClr val="404040"/>
                 </a:solidFill>
               </a:rPr>
-              <a:t>Briefly Discuss Any Interesting Results that Came Out of the Initial Questions</a:t>
+              <a:t>Briefly Discuss Any Interesting Results from the Initial Questions</a:t>
             </a:r>
           </a:p>
           <a:p>
@@ -13870,7 +13973,7 @@
               <a:buChar char="•"/>
             </a:pPr>
             <a:r>
-              <a:rPr lang="en-US" dirty="0">
+              <a:rPr lang="en-US" sz="2000" dirty="0">
                 <a:solidFill>
                   <a:srgbClr val="404040"/>
                 </a:solidFill>
@@ -13884,12 +13987,26 @@
               <a:buChar char="•"/>
             </a:pPr>
             <a:r>
-              <a:rPr lang="en-US" dirty="0">
+              <a:rPr lang="en-US" sz="2000" dirty="0">
                 <a:solidFill>
                   <a:srgbClr val="404040"/>
                 </a:solidFill>
               </a:rPr>
               <a:t>Explain Which Areas Your Group Will Focus on For the Final Presentation and Paper</a:t>
+            </a:r>
+          </a:p>
+          <a:p>
+            <a:pPr marL="800100" lvl="1" indent="-342900">
+              <a:buFont typeface="Arial" panose="020B0604020202020204" pitchFamily="34" charset="0"/>
+              <a:buChar char="•"/>
+            </a:pPr>
+            <a:r>
+              <a:rPr lang="en-US" sz="2000" dirty="0">
+                <a:solidFill>
+                  <a:srgbClr val="404040"/>
+                </a:solidFill>
+              </a:rPr>
+              <a:t>Responsible for Watching Practice Presentation Before Exam Day</a:t>
             </a:r>
           </a:p>
         </p:txBody>
@@ -14122,7 +14239,7 @@
         <p:spPr>
           <a:xfrm>
             <a:off x="3962400" y="643467"/>
-            <a:ext cx="5029200" cy="6740307"/>
+            <a:ext cx="5029200" cy="4585871"/>
           </a:xfrm>
           <a:prstGeom prst="rect">
             <a:avLst/>
@@ -14154,7 +14271,7 @@
               <a:buChar char="•"/>
             </a:pPr>
             <a:r>
-              <a:rPr lang="en-US" dirty="0">
+              <a:rPr lang="en-US" sz="2000" dirty="0">
                 <a:solidFill>
                   <a:srgbClr val="404040"/>
                 </a:solidFill>
@@ -14168,7 +14285,7 @@
               <a:buChar char="•"/>
             </a:pPr>
             <a:r>
-              <a:rPr lang="en-US" dirty="0">
+              <a:rPr lang="en-US" sz="2000" dirty="0">
                 <a:solidFill>
                   <a:srgbClr val="404040"/>
                 </a:solidFill>
@@ -14182,7 +14299,7 @@
               <a:buChar char="•"/>
             </a:pPr>
             <a:r>
-              <a:rPr lang="en-US" dirty="0">
+              <a:rPr lang="en-US" sz="2000" dirty="0">
                 <a:solidFill>
                   <a:srgbClr val="404040"/>
                 </a:solidFill>
@@ -14196,7 +14313,7 @@
               <a:buChar char="•"/>
             </a:pPr>
             <a:r>
-              <a:rPr lang="en-US" dirty="0">
+              <a:rPr lang="en-US" sz="2000" dirty="0">
                 <a:solidFill>
                   <a:srgbClr val="404040"/>
                 </a:solidFill>
@@ -14210,7 +14327,7 @@
               <a:buChar char="•"/>
             </a:pPr>
             <a:r>
-              <a:rPr lang="en-US" dirty="0">
+              <a:rPr lang="en-US" sz="2000" dirty="0">
                 <a:solidFill>
                   <a:srgbClr val="404040"/>
                 </a:solidFill>
@@ -14224,7 +14341,7 @@
               <a:buChar char="•"/>
             </a:pPr>
             <a:r>
-              <a:rPr lang="en-US" dirty="0">
+              <a:rPr lang="en-US" sz="2000" dirty="0">
                 <a:solidFill>
                   <a:srgbClr val="404040"/>
                 </a:solidFill>
@@ -14238,7 +14355,7 @@
               <a:buChar char="•"/>
             </a:pPr>
             <a:r>
-              <a:rPr lang="en-US" dirty="0">
+              <a:rPr lang="en-US" sz="2000" dirty="0">
                 <a:solidFill>
                   <a:srgbClr val="404040"/>
                 </a:solidFill>
@@ -14498,7 +14615,7 @@
         <p:spPr>
           <a:xfrm>
             <a:off x="3962400" y="643467"/>
-            <a:ext cx="5029200" cy="6001643"/>
+            <a:ext cx="5029200" cy="4524315"/>
           </a:xfrm>
           <a:prstGeom prst="rect">
             <a:avLst/>
@@ -14530,15 +14647,15 @@
               <a:buChar char="•"/>
             </a:pPr>
             <a:r>
-              <a:rPr lang="en-US" dirty="0">
+              <a:rPr lang="en-US" sz="2000" dirty="0">
                 <a:solidFill>
                   <a:srgbClr val="404040"/>
                 </a:solidFill>
               </a:rPr>
-              <a:t>Both the EDA and Final Written Paper Will Follow </a:t>
-            </a:r>
-            <a:r>
-              <a:rPr lang="en-US" dirty="0" err="1">
+              <a:t>Proposal, EDA, and Final Paper Will Follow </a:t>
+            </a:r>
+            <a:r>
+              <a:rPr lang="en-US" sz="2000" dirty="0" err="1">
                 <a:solidFill>
                   <a:srgbClr val="404040"/>
                 </a:solidFill>
@@ -14546,7 +14663,7 @@
               <a:t>RMarkdown</a:t>
             </a:r>
             <a:r>
-              <a:rPr lang="en-US" dirty="0">
+              <a:rPr lang="en-US" sz="2000" dirty="0">
                 <a:solidFill>
                   <a:srgbClr val="404040"/>
                 </a:solidFill>
@@ -14560,7 +14677,7 @@
               <a:buChar char="•"/>
             </a:pPr>
             <a:r>
-              <a:rPr lang="en-US" dirty="0">
+              <a:rPr lang="en-US" sz="2000" dirty="0">
                 <a:solidFill>
                   <a:srgbClr val="404040"/>
                 </a:solidFill>
@@ -14574,7 +14691,7 @@
               <a:buChar char="•"/>
             </a:pPr>
             <a:r>
-              <a:rPr lang="en-US" dirty="0">
+              <a:rPr lang="en-US" sz="2000" dirty="0">
                 <a:solidFill>
                   <a:srgbClr val="404040"/>
                 </a:solidFill>
@@ -14588,7 +14705,7 @@
               <a:buChar char="•"/>
             </a:pPr>
             <a:r>
-              <a:rPr lang="en-US" dirty="0">
+              <a:rPr lang="en-US" sz="2000" dirty="0">
                 <a:solidFill>
                   <a:srgbClr val="404040"/>
                 </a:solidFill>
@@ -14602,12 +14719,26 @@
               <a:buChar char="•"/>
             </a:pPr>
             <a:r>
-              <a:rPr lang="en-US" dirty="0">
+              <a:rPr lang="en-US" sz="2000" dirty="0">
                 <a:solidFill>
                   <a:srgbClr val="404040"/>
                 </a:solidFill>
               </a:rPr>
-              <a:t>Submit Both Parts Before 5 PM on Due Dates in HTML</a:t>
+              <a:t>Submit All Templates Before 5 PM on Due Dates in HTML</a:t>
+            </a:r>
+          </a:p>
+          <a:p>
+            <a:pPr marL="800100" lvl="1" indent="-342900">
+              <a:buFont typeface="Arial" panose="020B0604020202020204" pitchFamily="34" charset="0"/>
+              <a:buChar char="•"/>
+            </a:pPr>
+            <a:r>
+              <a:rPr lang="en-US" sz="2000" dirty="0">
+                <a:solidFill>
+                  <a:srgbClr val="404040"/>
+                </a:solidFill>
+              </a:rPr>
+              <a:t>Submit Slides Before Final Presentation on Exam Day</a:t>
             </a:r>
           </a:p>
           <a:p>
@@ -14851,7 +14982,7 @@
         <p:spPr>
           <a:xfrm>
             <a:off x="3962400" y="643467"/>
-            <a:ext cx="5029200" cy="3416320"/>
+            <a:ext cx="5029200" cy="3170099"/>
           </a:xfrm>
           <a:prstGeom prst="rect">
             <a:avLst/>
@@ -14883,7 +15014,7 @@
               <a:buChar char="•"/>
             </a:pPr>
             <a:r>
-              <a:rPr lang="en-US" dirty="0">
+              <a:rPr lang="en-US" sz="2000" dirty="0">
                 <a:solidFill>
                   <a:srgbClr val="404040"/>
                 </a:solidFill>
@@ -14897,7 +15028,7 @@
               <a:buChar char="•"/>
             </a:pPr>
             <a:r>
-              <a:rPr lang="en-US" dirty="0">
+              <a:rPr lang="en-US" sz="2000" dirty="0">
                 <a:solidFill>
                   <a:srgbClr val="404040"/>
                 </a:solidFill>
@@ -14911,7 +15042,7 @@
               <a:buChar char="•"/>
             </a:pPr>
             <a:r>
-              <a:rPr lang="en-US" dirty="0">
+              <a:rPr lang="en-US" sz="2000" dirty="0">
                 <a:solidFill>
                   <a:srgbClr val="404040"/>
                 </a:solidFill>
@@ -14925,7 +15056,7 @@
               <a:buChar char="•"/>
             </a:pPr>
             <a:r>
-              <a:rPr lang="en-US" dirty="0">
+              <a:rPr lang="en-US" sz="2000" dirty="0">
                 <a:solidFill>
                   <a:srgbClr val="404040"/>
                 </a:solidFill>

--- a/Lecture/Final Project 1/Final_Project_1_Lecture.pptx
+++ b/Lecture/Final Project 1/Final_Project_1_Lecture.pptx
@@ -305,7 +305,7 @@
               <a:pPr>
                 <a:defRPr/>
               </a:pPr>
-              <a:t>6/29/2020</a:t>
+              <a:t>1/25/2022</a:t>
             </a:fld>
             <a:endParaRPr lang="en-US" dirty="0"/>
           </a:p>
@@ -517,7 +517,7 @@
               <a:pPr>
                 <a:defRPr/>
               </a:pPr>
-              <a:t>6/29/2020</a:t>
+              <a:t>1/25/2022</a:t>
             </a:fld>
             <a:endParaRPr lang="en-US" dirty="0"/>
           </a:p>
@@ -1036,7 +1036,7 @@
               <a:pPr>
                 <a:defRPr/>
               </a:pPr>
-              <a:t>6/29/2020</a:t>
+              <a:t>1/25/2022</a:t>
             </a:fld>
             <a:endParaRPr lang="en-US" dirty="0"/>
           </a:p>
@@ -1226,7 +1226,7 @@
               <a:pPr>
                 <a:defRPr/>
               </a:pPr>
-              <a:t>6/29/2020</a:t>
+              <a:t>1/25/2022</a:t>
             </a:fld>
             <a:endParaRPr lang="en-US" dirty="0"/>
           </a:p>
@@ -1426,7 +1426,7 @@
               <a:pPr>
                 <a:defRPr/>
               </a:pPr>
-              <a:t>6/29/2020</a:t>
+              <a:t>1/25/2022</a:t>
             </a:fld>
             <a:endParaRPr lang="en-US" dirty="0"/>
           </a:p>
@@ -1694,7 +1694,7 @@
               <a:pPr>
                 <a:defRPr/>
               </a:pPr>
-              <a:t>6/29/2020</a:t>
+              <a:t>1/25/2022</a:t>
             </a:fld>
             <a:endParaRPr lang="en-US" dirty="0">
               <a:solidFill>
@@ -1908,7 +1908,7 @@
               <a:pPr>
                 <a:defRPr/>
               </a:pPr>
-              <a:t>6/29/2020</a:t>
+              <a:t>1/25/2022</a:t>
             </a:fld>
             <a:endParaRPr lang="en-US" dirty="0">
               <a:solidFill>
@@ -2199,7 +2199,7 @@
               <a:pPr>
                 <a:defRPr/>
               </a:pPr>
-              <a:t>6/29/2020</a:t>
+              <a:t>1/25/2022</a:t>
             </a:fld>
             <a:endParaRPr lang="en-US" dirty="0">
               <a:solidFill>
@@ -2530,7 +2530,7 @@
               <a:pPr>
                 <a:defRPr/>
               </a:pPr>
-              <a:t>6/29/2020</a:t>
+              <a:t>1/25/2022</a:t>
             </a:fld>
             <a:endParaRPr lang="en-US" dirty="0">
               <a:solidFill>
@@ -2995,7 +2995,7 @@
               <a:pPr>
                 <a:defRPr/>
               </a:pPr>
-              <a:t>6/29/2020</a:t>
+              <a:t>1/25/2022</a:t>
             </a:fld>
             <a:endParaRPr lang="en-US" dirty="0">
               <a:solidFill>
@@ -3158,7 +3158,7 @@
               <a:pPr>
                 <a:defRPr/>
               </a:pPr>
-              <a:t>6/29/2020</a:t>
+              <a:t>1/25/2022</a:t>
             </a:fld>
             <a:endParaRPr lang="en-US" dirty="0">
               <a:solidFill>
@@ -3299,7 +3299,7 @@
               <a:pPr>
                 <a:defRPr/>
               </a:pPr>
-              <a:t>6/29/2020</a:t>
+              <a:t>1/25/2022</a:t>
             </a:fld>
             <a:endParaRPr lang="en-US" dirty="0">
               <a:solidFill>
@@ -3620,7 +3620,7 @@
               <a:pPr>
                 <a:defRPr/>
               </a:pPr>
-              <a:t>6/29/2020</a:t>
+              <a:t>1/25/2022</a:t>
             </a:fld>
             <a:endParaRPr lang="en-US" dirty="0">
               <a:solidFill>
@@ -3828,7 +3828,7 @@
               <a:pPr>
                 <a:defRPr/>
               </a:pPr>
-              <a:t>6/29/2020</a:t>
+              <a:t>1/25/2022</a:t>
             </a:fld>
             <a:endParaRPr lang="en-US" dirty="0"/>
           </a:p>
@@ -4111,7 +4111,7 @@
               <a:pPr>
                 <a:defRPr/>
               </a:pPr>
-              <a:t>6/29/2020</a:t>
+              <a:t>1/25/2022</a:t>
             </a:fld>
             <a:endParaRPr lang="en-US" dirty="0">
               <a:solidFill>
@@ -4325,7 +4325,7 @@
               <a:pPr>
                 <a:defRPr/>
               </a:pPr>
-              <a:t>6/29/2020</a:t>
+              <a:t>1/25/2022</a:t>
             </a:fld>
             <a:endParaRPr lang="en-US" dirty="0">
               <a:solidFill>
@@ -4549,7 +4549,7 @@
               <a:pPr>
                 <a:defRPr/>
               </a:pPr>
-              <a:t>6/29/2020</a:t>
+              <a:t>1/25/2022</a:t>
             </a:fld>
             <a:endParaRPr lang="en-US" dirty="0">
               <a:solidFill>
@@ -4759,7 +4759,7 @@
               <a:pPr>
                 <a:defRPr/>
               </a:pPr>
-              <a:t>6/29/2020</a:t>
+              <a:t>1/25/2022</a:t>
             </a:fld>
             <a:endParaRPr lang="en-US" dirty="0">
               <a:solidFill>
@@ -5036,7 +5036,7 @@
               <a:pPr>
                 <a:defRPr/>
               </a:pPr>
-              <a:t>6/29/2020</a:t>
+              <a:t>1/25/2022</a:t>
             </a:fld>
             <a:endParaRPr lang="en-US" dirty="0"/>
           </a:p>
@@ -5343,7 +5343,7 @@
               <a:pPr>
                 <a:defRPr/>
               </a:pPr>
-              <a:t>6/29/2020</a:t>
+              <a:t>1/25/2022</a:t>
             </a:fld>
             <a:endParaRPr lang="en-US" dirty="0"/>
           </a:p>
@@ -5784,7 +5784,7 @@
               <a:pPr>
                 <a:defRPr/>
               </a:pPr>
-              <a:t>6/29/2020</a:t>
+              <a:t>1/25/2022</a:t>
             </a:fld>
             <a:endParaRPr lang="en-US" dirty="0"/>
           </a:p>
@@ -5923,7 +5923,7 @@
               <a:pPr>
                 <a:defRPr/>
               </a:pPr>
-              <a:t>6/29/2020</a:t>
+              <a:t>1/25/2022</a:t>
             </a:fld>
             <a:endParaRPr lang="en-US" dirty="0"/>
           </a:p>
@@ -6040,7 +6040,7 @@
               <a:pPr>
                 <a:defRPr/>
               </a:pPr>
-              <a:t>6/29/2020</a:t>
+              <a:t>1/25/2022</a:t>
             </a:fld>
             <a:endParaRPr lang="en-US" dirty="0"/>
           </a:p>
@@ -6337,7 +6337,7 @@
               <a:pPr>
                 <a:defRPr/>
               </a:pPr>
-              <a:t>6/29/2020</a:t>
+              <a:t>1/25/2022</a:t>
             </a:fld>
             <a:endParaRPr lang="en-US" dirty="0"/>
           </a:p>
@@ -6614,7 +6614,7 @@
               <a:pPr>
                 <a:defRPr/>
               </a:pPr>
-              <a:t>6/29/2020</a:t>
+              <a:t>1/25/2022</a:t>
             </a:fld>
             <a:endParaRPr lang="en-US" dirty="0"/>
           </a:p>
@@ -6871,7 +6871,7 @@
               <a:pPr>
                 <a:defRPr/>
               </a:pPr>
-              <a:t>6/29/2020</a:t>
+              <a:t>1/25/2022</a:t>
             </a:fld>
             <a:endParaRPr lang="en-US" dirty="0"/>
           </a:p>
@@ -7581,7 +7581,7 @@
               <a:pPr>
                 <a:defRPr/>
               </a:pPr>
-              <a:t>6/29/2020</a:t>
+              <a:t>1/25/2022</a:t>
             </a:fld>
             <a:endParaRPr lang="en-US" dirty="0">
               <a:solidFill>
@@ -12451,7 +12451,7 @@
                   <a:srgbClr val="404040"/>
                 </a:solidFill>
               </a:rPr>
-              <a:t>Randomly Assigned to Research Groups of 4 or 5</a:t>
+              <a:t>Randomly Assigned to Research Groups of 5 or 6</a:t>
             </a:r>
           </a:p>
           <a:p>
@@ -13127,7 +13127,7 @@
         <p:spPr>
           <a:xfrm>
             <a:off x="3962400" y="643467"/>
-            <a:ext cx="5029200" cy="4770537"/>
+            <a:ext cx="5029200" cy="6001643"/>
           </a:xfrm>
           <a:prstGeom prst="rect">
             <a:avLst/>
@@ -13318,7 +13318,49 @@
                   <a:srgbClr val="404040"/>
                 </a:solidFill>
               </a:rPr>
-              <a:t>5 Points of the Final Written Paper Based on Peer Scoring</a:t>
+              <a:t>2% of Grade is Peer Reviews</a:t>
+            </a:r>
+          </a:p>
+          <a:p>
+            <a:pPr marL="1257300" lvl="2" indent="-342900">
+              <a:buFont typeface="Arial" panose="020B0604020202020204" pitchFamily="34" charset="0"/>
+              <a:buChar char="•"/>
+            </a:pPr>
+            <a:r>
+              <a:rPr lang="en-US" sz="2000" dirty="0">
+                <a:solidFill>
+                  <a:srgbClr val="404040"/>
+                </a:solidFill>
+              </a:rPr>
+              <a:t>Fill out survey found on the course website</a:t>
+            </a:r>
+          </a:p>
+          <a:p>
+            <a:pPr marL="1257300" lvl="2" indent="-342900">
+              <a:buFont typeface="Arial" panose="020B0604020202020204" pitchFamily="34" charset="0"/>
+              <a:buChar char="•"/>
+            </a:pPr>
+            <a:r>
+              <a:rPr lang="en-US" sz="2000" dirty="0">
+                <a:solidFill>
+                  <a:srgbClr val="404040"/>
+                </a:solidFill>
+              </a:rPr>
+              <a:t>Four surveys will be available</a:t>
+            </a:r>
+          </a:p>
+          <a:p>
+            <a:pPr marL="1257300" lvl="2" indent="-342900">
+              <a:buFont typeface="Arial" panose="020B0604020202020204" pitchFamily="34" charset="0"/>
+              <a:buChar char="•"/>
+            </a:pPr>
+            <a:r>
+              <a:rPr lang="en-US" sz="2000" dirty="0">
+                <a:solidFill>
+                  <a:srgbClr val="404040"/>
+                </a:solidFill>
+              </a:rPr>
+              <a:t>If giving everyone a 5, don’t need to complete survey</a:t>
             </a:r>
           </a:p>
         </p:txBody>
@@ -13913,7 +13955,7 @@
         <p:spPr>
           <a:xfrm>
             <a:off x="3962400" y="643467"/>
-            <a:ext cx="5029200" cy="3847207"/>
+            <a:ext cx="5029200" cy="4154984"/>
           </a:xfrm>
           <a:prstGeom prst="rect">
             <a:avLst/>
@@ -13936,7 +13978,7 @@
                   <a:srgbClr val="404040"/>
                 </a:solidFill>
               </a:rPr>
-              <a:t>Role 2: Interpreter</a:t>
+              <a:t>Role 2: Interpreter(s)</a:t>
             </a:r>
           </a:p>
           <a:p>
@@ -14007,6 +14049,20 @@
                 </a:solidFill>
               </a:rPr>
               <a:t>Responsible for Watching Practice Presentation Before Exam Day</a:t>
+            </a:r>
+          </a:p>
+          <a:p>
+            <a:pPr marL="800100" lvl="1" indent="-342900">
+              <a:buFont typeface="Arial" panose="020B0604020202020204" pitchFamily="34" charset="0"/>
+              <a:buChar char="•"/>
+            </a:pPr>
+            <a:r>
+              <a:rPr lang="en-US" sz="2000" dirty="0">
+                <a:solidFill>
+                  <a:srgbClr val="404040"/>
+                </a:solidFill>
+              </a:rPr>
+              <a:t>Groups of 6 will have 2 Interpreters</a:t>
             </a:r>
           </a:p>
         </p:txBody>
@@ -14262,7 +14318,7 @@
                   <a:srgbClr val="404040"/>
                 </a:solidFill>
               </a:rPr>
-              <a:t>Role 3: Orator</a:t>
+              <a:t>Role 3: Orators</a:t>
             </a:r>
           </a:p>
           <a:p>
@@ -14360,7 +14416,7 @@
                   <a:srgbClr val="404040"/>
                 </a:solidFill>
               </a:rPr>
-              <a:t>Groups of 5 Will Have 2 Orators</a:t>
+              <a:t>Groups Will Have 2 Orators</a:t>
             </a:r>
           </a:p>
           <a:p>

--- a/Lecture/Final Project 1/Final_Project_1_Lecture.pptx
+++ b/Lecture/Final Project 1/Final_Project_1_Lecture.pptx
@@ -305,7 +305,7 @@
               <a:pPr>
                 <a:defRPr/>
               </a:pPr>
-              <a:t>1/25/2022</a:t>
+              <a:t>2/1/2023</a:t>
             </a:fld>
             <a:endParaRPr lang="en-US" dirty="0"/>
           </a:p>
@@ -517,7 +517,7 @@
               <a:pPr>
                 <a:defRPr/>
               </a:pPr>
-              <a:t>1/25/2022</a:t>
+              <a:t>2/1/2023</a:t>
             </a:fld>
             <a:endParaRPr lang="en-US" dirty="0"/>
           </a:p>
@@ -1036,7 +1036,7 @@
               <a:pPr>
                 <a:defRPr/>
               </a:pPr>
-              <a:t>1/25/2022</a:t>
+              <a:t>2/1/2023</a:t>
             </a:fld>
             <a:endParaRPr lang="en-US" dirty="0"/>
           </a:p>
@@ -1226,7 +1226,7 @@
               <a:pPr>
                 <a:defRPr/>
               </a:pPr>
-              <a:t>1/25/2022</a:t>
+              <a:t>2/1/2023</a:t>
             </a:fld>
             <a:endParaRPr lang="en-US" dirty="0"/>
           </a:p>
@@ -1426,7 +1426,7 @@
               <a:pPr>
                 <a:defRPr/>
               </a:pPr>
-              <a:t>1/25/2022</a:t>
+              <a:t>2/1/2023</a:t>
             </a:fld>
             <a:endParaRPr lang="en-US" dirty="0"/>
           </a:p>
@@ -1694,7 +1694,7 @@
               <a:pPr>
                 <a:defRPr/>
               </a:pPr>
-              <a:t>1/25/2022</a:t>
+              <a:t>2/1/2023</a:t>
             </a:fld>
             <a:endParaRPr lang="en-US" dirty="0">
               <a:solidFill>
@@ -1908,7 +1908,7 @@
               <a:pPr>
                 <a:defRPr/>
               </a:pPr>
-              <a:t>1/25/2022</a:t>
+              <a:t>2/1/2023</a:t>
             </a:fld>
             <a:endParaRPr lang="en-US" dirty="0">
               <a:solidFill>
@@ -2199,7 +2199,7 @@
               <a:pPr>
                 <a:defRPr/>
               </a:pPr>
-              <a:t>1/25/2022</a:t>
+              <a:t>2/1/2023</a:t>
             </a:fld>
             <a:endParaRPr lang="en-US" dirty="0">
               <a:solidFill>
@@ -2530,7 +2530,7 @@
               <a:pPr>
                 <a:defRPr/>
               </a:pPr>
-              <a:t>1/25/2022</a:t>
+              <a:t>2/1/2023</a:t>
             </a:fld>
             <a:endParaRPr lang="en-US" dirty="0">
               <a:solidFill>
@@ -2995,7 +2995,7 @@
               <a:pPr>
                 <a:defRPr/>
               </a:pPr>
-              <a:t>1/25/2022</a:t>
+              <a:t>2/1/2023</a:t>
             </a:fld>
             <a:endParaRPr lang="en-US" dirty="0">
               <a:solidFill>
@@ -3158,7 +3158,7 @@
               <a:pPr>
                 <a:defRPr/>
               </a:pPr>
-              <a:t>1/25/2022</a:t>
+              <a:t>2/1/2023</a:t>
             </a:fld>
             <a:endParaRPr lang="en-US" dirty="0">
               <a:solidFill>
@@ -3299,7 +3299,7 @@
               <a:pPr>
                 <a:defRPr/>
               </a:pPr>
-              <a:t>1/25/2022</a:t>
+              <a:t>2/1/2023</a:t>
             </a:fld>
             <a:endParaRPr lang="en-US" dirty="0">
               <a:solidFill>
@@ -3620,7 +3620,7 @@
               <a:pPr>
                 <a:defRPr/>
               </a:pPr>
-              <a:t>1/25/2022</a:t>
+              <a:t>2/1/2023</a:t>
             </a:fld>
             <a:endParaRPr lang="en-US" dirty="0">
               <a:solidFill>
@@ -3828,7 +3828,7 @@
               <a:pPr>
                 <a:defRPr/>
               </a:pPr>
-              <a:t>1/25/2022</a:t>
+              <a:t>2/1/2023</a:t>
             </a:fld>
             <a:endParaRPr lang="en-US" dirty="0"/>
           </a:p>
@@ -4111,7 +4111,7 @@
               <a:pPr>
                 <a:defRPr/>
               </a:pPr>
-              <a:t>1/25/2022</a:t>
+              <a:t>2/1/2023</a:t>
             </a:fld>
             <a:endParaRPr lang="en-US" dirty="0">
               <a:solidFill>
@@ -4325,7 +4325,7 @@
               <a:pPr>
                 <a:defRPr/>
               </a:pPr>
-              <a:t>1/25/2022</a:t>
+              <a:t>2/1/2023</a:t>
             </a:fld>
             <a:endParaRPr lang="en-US" dirty="0">
               <a:solidFill>
@@ -4549,7 +4549,7 @@
               <a:pPr>
                 <a:defRPr/>
               </a:pPr>
-              <a:t>1/25/2022</a:t>
+              <a:t>2/1/2023</a:t>
             </a:fld>
             <a:endParaRPr lang="en-US" dirty="0">
               <a:solidFill>
@@ -4759,7 +4759,7 @@
               <a:pPr>
                 <a:defRPr/>
               </a:pPr>
-              <a:t>1/25/2022</a:t>
+              <a:t>2/1/2023</a:t>
             </a:fld>
             <a:endParaRPr lang="en-US" dirty="0">
               <a:solidFill>
@@ -5036,7 +5036,7 @@
               <a:pPr>
                 <a:defRPr/>
               </a:pPr>
-              <a:t>1/25/2022</a:t>
+              <a:t>2/1/2023</a:t>
             </a:fld>
             <a:endParaRPr lang="en-US" dirty="0"/>
           </a:p>
@@ -5343,7 +5343,7 @@
               <a:pPr>
                 <a:defRPr/>
               </a:pPr>
-              <a:t>1/25/2022</a:t>
+              <a:t>2/1/2023</a:t>
             </a:fld>
             <a:endParaRPr lang="en-US" dirty="0"/>
           </a:p>
@@ -5784,7 +5784,7 @@
               <a:pPr>
                 <a:defRPr/>
               </a:pPr>
-              <a:t>1/25/2022</a:t>
+              <a:t>2/1/2023</a:t>
             </a:fld>
             <a:endParaRPr lang="en-US" dirty="0"/>
           </a:p>
@@ -5923,7 +5923,7 @@
               <a:pPr>
                 <a:defRPr/>
               </a:pPr>
-              <a:t>1/25/2022</a:t>
+              <a:t>2/1/2023</a:t>
             </a:fld>
             <a:endParaRPr lang="en-US" dirty="0"/>
           </a:p>
@@ -6040,7 +6040,7 @@
               <a:pPr>
                 <a:defRPr/>
               </a:pPr>
-              <a:t>1/25/2022</a:t>
+              <a:t>2/1/2023</a:t>
             </a:fld>
             <a:endParaRPr lang="en-US" dirty="0"/>
           </a:p>
@@ -6337,7 +6337,7 @@
               <a:pPr>
                 <a:defRPr/>
               </a:pPr>
-              <a:t>1/25/2022</a:t>
+              <a:t>2/1/2023</a:t>
             </a:fld>
             <a:endParaRPr lang="en-US" dirty="0"/>
           </a:p>
@@ -6614,7 +6614,7 @@
               <a:pPr>
                 <a:defRPr/>
               </a:pPr>
-              <a:t>1/25/2022</a:t>
+              <a:t>2/1/2023</a:t>
             </a:fld>
             <a:endParaRPr lang="en-US" dirty="0"/>
           </a:p>
@@ -6871,7 +6871,7 @@
               <a:pPr>
                 <a:defRPr/>
               </a:pPr>
-              <a:t>1/25/2022</a:t>
+              <a:t>2/1/2023</a:t>
             </a:fld>
             <a:endParaRPr lang="en-US" dirty="0"/>
           </a:p>
@@ -7581,7 +7581,7 @@
               <a:pPr>
                 <a:defRPr/>
               </a:pPr>
-              <a:t>1/25/2022</a:t>
+              <a:t>2/1/2023</a:t>
             </a:fld>
             <a:endParaRPr lang="en-US" dirty="0">
               <a:solidFill>
@@ -9168,7 +9168,7 @@
                   <a:srgbClr val="404040"/>
                 </a:solidFill>
               </a:rPr>
-              <a:t>Template Submitted in HTML via Sakai by Due Date (D)</a:t>
+              <a:t>Template Submitted in HTML via Canvas by Due Date (D)</a:t>
             </a:r>
           </a:p>
           <a:p>
@@ -9216,18 +9216,13 @@
               <a:buChar char="•"/>
             </a:pPr>
             <a:r>
-              <a:rPr lang="en-US" sz="2000">
+              <a:rPr lang="en-US" sz="2000" dirty="0">
                 <a:solidFill>
                   <a:srgbClr val="404040"/>
                 </a:solidFill>
               </a:rPr>
               <a:t>Have Computer With Data Ready</a:t>
             </a:r>
-            <a:endParaRPr lang="en-US" sz="2000" dirty="0">
-              <a:solidFill>
-                <a:srgbClr val="404040"/>
-              </a:solidFill>
-            </a:endParaRPr>
           </a:p>
           <a:p>
             <a:pPr marL="800100" lvl="1" indent="-342900">
@@ -10430,7 +10425,7 @@
                   <a:srgbClr val="404040"/>
                 </a:solidFill>
               </a:rPr>
-              <a:t>Template Submitted in HTML via Sakai by Due Date (D)</a:t>
+              <a:t>Template Submitted in HTML via Canvas by Due Date (D)</a:t>
             </a:r>
           </a:p>
           <a:p>
@@ -13318,7 +13313,7 @@
                   <a:srgbClr val="404040"/>
                 </a:solidFill>
               </a:rPr>
-              <a:t>2% of Grade is Peer Reviews</a:t>
+              <a:t>10% of Grade is Peer Reviews</a:t>
             </a:r>
           </a:p>
           <a:p>

--- a/Lecture/Final Project 1/Final_Project_1_Lecture.pptx
+++ b/Lecture/Final Project 1/Final_Project_1_Lecture.pptx
@@ -305,7 +305,7 @@
               <a:pPr>
                 <a:defRPr/>
               </a:pPr>
-              <a:t>2/1/2023</a:t>
+              <a:t>7/3/2023</a:t>
             </a:fld>
             <a:endParaRPr lang="en-US" dirty="0"/>
           </a:p>
@@ -517,7 +517,7 @@
               <a:pPr>
                 <a:defRPr/>
               </a:pPr>
-              <a:t>2/1/2023</a:t>
+              <a:t>7/3/2023</a:t>
             </a:fld>
             <a:endParaRPr lang="en-US" dirty="0"/>
           </a:p>
@@ -1036,7 +1036,7 @@
               <a:pPr>
                 <a:defRPr/>
               </a:pPr>
-              <a:t>2/1/2023</a:t>
+              <a:t>7/3/2023</a:t>
             </a:fld>
             <a:endParaRPr lang="en-US" dirty="0"/>
           </a:p>
@@ -1226,7 +1226,7 @@
               <a:pPr>
                 <a:defRPr/>
               </a:pPr>
-              <a:t>2/1/2023</a:t>
+              <a:t>7/3/2023</a:t>
             </a:fld>
             <a:endParaRPr lang="en-US" dirty="0"/>
           </a:p>
@@ -1426,7 +1426,7 @@
               <a:pPr>
                 <a:defRPr/>
               </a:pPr>
-              <a:t>2/1/2023</a:t>
+              <a:t>7/3/2023</a:t>
             </a:fld>
             <a:endParaRPr lang="en-US" dirty="0"/>
           </a:p>
@@ -1694,7 +1694,7 @@
               <a:pPr>
                 <a:defRPr/>
               </a:pPr>
-              <a:t>2/1/2023</a:t>
+              <a:t>7/3/2023</a:t>
             </a:fld>
             <a:endParaRPr lang="en-US" dirty="0">
               <a:solidFill>
@@ -1908,7 +1908,7 @@
               <a:pPr>
                 <a:defRPr/>
               </a:pPr>
-              <a:t>2/1/2023</a:t>
+              <a:t>7/3/2023</a:t>
             </a:fld>
             <a:endParaRPr lang="en-US" dirty="0">
               <a:solidFill>
@@ -2199,7 +2199,7 @@
               <a:pPr>
                 <a:defRPr/>
               </a:pPr>
-              <a:t>2/1/2023</a:t>
+              <a:t>7/3/2023</a:t>
             </a:fld>
             <a:endParaRPr lang="en-US" dirty="0">
               <a:solidFill>
@@ -2530,7 +2530,7 @@
               <a:pPr>
                 <a:defRPr/>
               </a:pPr>
-              <a:t>2/1/2023</a:t>
+              <a:t>7/3/2023</a:t>
             </a:fld>
             <a:endParaRPr lang="en-US" dirty="0">
               <a:solidFill>
@@ -2995,7 +2995,7 @@
               <a:pPr>
                 <a:defRPr/>
               </a:pPr>
-              <a:t>2/1/2023</a:t>
+              <a:t>7/3/2023</a:t>
             </a:fld>
             <a:endParaRPr lang="en-US" dirty="0">
               <a:solidFill>
@@ -3158,7 +3158,7 @@
               <a:pPr>
                 <a:defRPr/>
               </a:pPr>
-              <a:t>2/1/2023</a:t>
+              <a:t>7/3/2023</a:t>
             </a:fld>
             <a:endParaRPr lang="en-US" dirty="0">
               <a:solidFill>
@@ -3299,7 +3299,7 @@
               <a:pPr>
                 <a:defRPr/>
               </a:pPr>
-              <a:t>2/1/2023</a:t>
+              <a:t>7/3/2023</a:t>
             </a:fld>
             <a:endParaRPr lang="en-US" dirty="0">
               <a:solidFill>
@@ -3620,7 +3620,7 @@
               <a:pPr>
                 <a:defRPr/>
               </a:pPr>
-              <a:t>2/1/2023</a:t>
+              <a:t>7/3/2023</a:t>
             </a:fld>
             <a:endParaRPr lang="en-US" dirty="0">
               <a:solidFill>
@@ -3828,7 +3828,7 @@
               <a:pPr>
                 <a:defRPr/>
               </a:pPr>
-              <a:t>2/1/2023</a:t>
+              <a:t>7/3/2023</a:t>
             </a:fld>
             <a:endParaRPr lang="en-US" dirty="0"/>
           </a:p>
@@ -4111,7 +4111,7 @@
               <a:pPr>
                 <a:defRPr/>
               </a:pPr>
-              <a:t>2/1/2023</a:t>
+              <a:t>7/3/2023</a:t>
             </a:fld>
             <a:endParaRPr lang="en-US" dirty="0">
               <a:solidFill>
@@ -4325,7 +4325,7 @@
               <a:pPr>
                 <a:defRPr/>
               </a:pPr>
-              <a:t>2/1/2023</a:t>
+              <a:t>7/3/2023</a:t>
             </a:fld>
             <a:endParaRPr lang="en-US" dirty="0">
               <a:solidFill>
@@ -4549,7 +4549,7 @@
               <a:pPr>
                 <a:defRPr/>
               </a:pPr>
-              <a:t>2/1/2023</a:t>
+              <a:t>7/3/2023</a:t>
             </a:fld>
             <a:endParaRPr lang="en-US" dirty="0">
               <a:solidFill>
@@ -4759,7 +4759,7 @@
               <a:pPr>
                 <a:defRPr/>
               </a:pPr>
-              <a:t>2/1/2023</a:t>
+              <a:t>7/3/2023</a:t>
             </a:fld>
             <a:endParaRPr lang="en-US" dirty="0">
               <a:solidFill>
@@ -5036,7 +5036,7 @@
               <a:pPr>
                 <a:defRPr/>
               </a:pPr>
-              <a:t>2/1/2023</a:t>
+              <a:t>7/3/2023</a:t>
             </a:fld>
             <a:endParaRPr lang="en-US" dirty="0"/>
           </a:p>
@@ -5343,7 +5343,7 @@
               <a:pPr>
                 <a:defRPr/>
               </a:pPr>
-              <a:t>2/1/2023</a:t>
+              <a:t>7/3/2023</a:t>
             </a:fld>
             <a:endParaRPr lang="en-US" dirty="0"/>
           </a:p>
@@ -5784,7 +5784,7 @@
               <a:pPr>
                 <a:defRPr/>
               </a:pPr>
-              <a:t>2/1/2023</a:t>
+              <a:t>7/3/2023</a:t>
             </a:fld>
             <a:endParaRPr lang="en-US" dirty="0"/>
           </a:p>
@@ -5923,7 +5923,7 @@
               <a:pPr>
                 <a:defRPr/>
               </a:pPr>
-              <a:t>2/1/2023</a:t>
+              <a:t>7/3/2023</a:t>
             </a:fld>
             <a:endParaRPr lang="en-US" dirty="0"/>
           </a:p>
@@ -6040,7 +6040,7 @@
               <a:pPr>
                 <a:defRPr/>
               </a:pPr>
-              <a:t>2/1/2023</a:t>
+              <a:t>7/3/2023</a:t>
             </a:fld>
             <a:endParaRPr lang="en-US" dirty="0"/>
           </a:p>
@@ -6337,7 +6337,7 @@
               <a:pPr>
                 <a:defRPr/>
               </a:pPr>
-              <a:t>2/1/2023</a:t>
+              <a:t>7/3/2023</a:t>
             </a:fld>
             <a:endParaRPr lang="en-US" dirty="0"/>
           </a:p>
@@ -6614,7 +6614,7 @@
               <a:pPr>
                 <a:defRPr/>
               </a:pPr>
-              <a:t>2/1/2023</a:t>
+              <a:t>7/3/2023</a:t>
             </a:fld>
             <a:endParaRPr lang="en-US" dirty="0"/>
           </a:p>
@@ -6871,7 +6871,7 @@
               <a:pPr>
                 <a:defRPr/>
               </a:pPr>
-              <a:t>2/1/2023</a:t>
+              <a:t>7/3/2023</a:t>
             </a:fld>
             <a:endParaRPr lang="en-US" dirty="0"/>
           </a:p>
@@ -7581,7 +7581,7 @@
               <a:pPr>
                 <a:defRPr/>
               </a:pPr>
-              <a:t>2/1/2023</a:t>
+              <a:t>7/3/2023</a:t>
             </a:fld>
             <a:endParaRPr lang="en-US" dirty="0">
               <a:solidFill>
@@ -9632,7 +9632,7 @@
                   <a:srgbClr val="404040"/>
                 </a:solidFill>
               </a:rPr>
-              <a:t>Each Member Must Create 2 Tables or Figures that Investigate Answers to the Questions Posed</a:t>
+              <a:t>1 Table or Figure for Each Proposed Question</a:t>
             </a:r>
           </a:p>
           <a:p>
@@ -9646,7 +9646,7 @@
                   <a:srgbClr val="404040"/>
                 </a:solidFill>
               </a:rPr>
-              <a:t>1 Table or Figure for Each Proposed Question</a:t>
+              <a:t>Each Should Answer the Questions They Proposed with 1 Table or Figure Per Question</a:t>
             </a:r>
           </a:p>
           <a:p>
@@ -10690,7 +10690,7 @@
         <p:spPr>
           <a:xfrm>
             <a:off x="3882710" y="643467"/>
-            <a:ext cx="5257800" cy="2923877"/>
+            <a:ext cx="5257800" cy="3231654"/>
           </a:xfrm>
           <a:prstGeom prst="rect">
             <a:avLst/>
@@ -10741,7 +10741,7 @@
                   <a:srgbClr val="404040"/>
                 </a:solidFill>
               </a:rPr>
-              <a:t>Select a Dataset That is Interesting With Many Variables (&gt;10)</a:t>
+              <a:t>Select a Dataset That is Interesting With Many Variables (&gt;10) and Many Observations (&gt;500)</a:t>
             </a:r>
           </a:p>
           <a:p>
@@ -12446,7 +12446,7 @@
                   <a:srgbClr val="404040"/>
                 </a:solidFill>
               </a:rPr>
-              <a:t>Randomly Assigned to Research Groups of 5 or 6</a:t>
+              <a:t>Randomly Assigned to Research Groups of 4 or 5</a:t>
             </a:r>
           </a:p>
           <a:p>
@@ -13588,7 +13588,7 @@
         <p:spPr>
           <a:xfrm>
             <a:off x="3962400" y="643467"/>
-            <a:ext cx="5181600" cy="5693866"/>
+            <a:ext cx="5181600" cy="4216539"/>
           </a:xfrm>
           <a:prstGeom prst="rect">
             <a:avLst/>
@@ -13600,31 +13600,6 @@
             <a:spAutoFit/>
           </a:bodyPr>
           <a:lstStyle/>
-          <a:p>
-            <a:pPr marL="342900" indent="-342900">
-              <a:buFont typeface="Arial" panose="020B0604020202020204" pitchFamily="34" charset="0"/>
-              <a:buChar char="•"/>
-            </a:pPr>
-            <a:r>
-              <a:rPr lang="en-US" dirty="0">
-                <a:solidFill>
-                  <a:srgbClr val="404040"/>
-                </a:solidFill>
-              </a:rPr>
-              <a:t>Purpose of Each Role is To Distribute the Burden of Handing in Deliverables</a:t>
-            </a:r>
-          </a:p>
-          <a:p>
-            <a:pPr marL="342900" indent="-342900">
-              <a:buFont typeface="Arial" panose="020B0604020202020204" pitchFamily="34" charset="0"/>
-              <a:buChar char="•"/>
-            </a:pPr>
-            <a:endParaRPr lang="en-US" dirty="0">
-              <a:solidFill>
-                <a:srgbClr val="404040"/>
-              </a:solidFill>
-            </a:endParaRPr>
-          </a:p>
           <a:p>
             <a:pPr marL="342900" indent="-342900">
               <a:buFont typeface="Arial" panose="020B0604020202020204" pitchFamily="34" charset="0"/>

--- a/Lecture/Final Project 1/Final_Project_1_Lecture.pptx
+++ b/Lecture/Final Project 1/Final_Project_1_Lecture.pptx
@@ -305,7 +305,7 @@
               <a:pPr>
                 <a:defRPr/>
               </a:pPr>
-              <a:t>7/3/2023</a:t>
+              <a:t>9/14/2023</a:t>
             </a:fld>
             <a:endParaRPr lang="en-US" dirty="0"/>
           </a:p>
@@ -517,7 +517,7 @@
               <a:pPr>
                 <a:defRPr/>
               </a:pPr>
-              <a:t>7/3/2023</a:t>
+              <a:t>9/14/2023</a:t>
             </a:fld>
             <a:endParaRPr lang="en-US" dirty="0"/>
           </a:p>
@@ -1036,7 +1036,7 @@
               <a:pPr>
                 <a:defRPr/>
               </a:pPr>
-              <a:t>7/3/2023</a:t>
+              <a:t>9/14/2023</a:t>
             </a:fld>
             <a:endParaRPr lang="en-US" dirty="0"/>
           </a:p>
@@ -1226,7 +1226,7 @@
               <a:pPr>
                 <a:defRPr/>
               </a:pPr>
-              <a:t>7/3/2023</a:t>
+              <a:t>9/14/2023</a:t>
             </a:fld>
             <a:endParaRPr lang="en-US" dirty="0"/>
           </a:p>
@@ -1426,7 +1426,7 @@
               <a:pPr>
                 <a:defRPr/>
               </a:pPr>
-              <a:t>7/3/2023</a:t>
+              <a:t>9/14/2023</a:t>
             </a:fld>
             <a:endParaRPr lang="en-US" dirty="0"/>
           </a:p>
@@ -1694,7 +1694,7 @@
               <a:pPr>
                 <a:defRPr/>
               </a:pPr>
-              <a:t>7/3/2023</a:t>
+              <a:t>9/14/2023</a:t>
             </a:fld>
             <a:endParaRPr lang="en-US" dirty="0">
               <a:solidFill>
@@ -1908,7 +1908,7 @@
               <a:pPr>
                 <a:defRPr/>
               </a:pPr>
-              <a:t>7/3/2023</a:t>
+              <a:t>9/14/2023</a:t>
             </a:fld>
             <a:endParaRPr lang="en-US" dirty="0">
               <a:solidFill>
@@ -2199,7 +2199,7 @@
               <a:pPr>
                 <a:defRPr/>
               </a:pPr>
-              <a:t>7/3/2023</a:t>
+              <a:t>9/14/2023</a:t>
             </a:fld>
             <a:endParaRPr lang="en-US" dirty="0">
               <a:solidFill>
@@ -2530,7 +2530,7 @@
               <a:pPr>
                 <a:defRPr/>
               </a:pPr>
-              <a:t>7/3/2023</a:t>
+              <a:t>9/14/2023</a:t>
             </a:fld>
             <a:endParaRPr lang="en-US" dirty="0">
               <a:solidFill>
@@ -2995,7 +2995,7 @@
               <a:pPr>
                 <a:defRPr/>
               </a:pPr>
-              <a:t>7/3/2023</a:t>
+              <a:t>9/14/2023</a:t>
             </a:fld>
             <a:endParaRPr lang="en-US" dirty="0">
               <a:solidFill>
@@ -3158,7 +3158,7 @@
               <a:pPr>
                 <a:defRPr/>
               </a:pPr>
-              <a:t>7/3/2023</a:t>
+              <a:t>9/14/2023</a:t>
             </a:fld>
             <a:endParaRPr lang="en-US" dirty="0">
               <a:solidFill>
@@ -3299,7 +3299,7 @@
               <a:pPr>
                 <a:defRPr/>
               </a:pPr>
-              <a:t>7/3/2023</a:t>
+              <a:t>9/14/2023</a:t>
             </a:fld>
             <a:endParaRPr lang="en-US" dirty="0">
               <a:solidFill>
@@ -3620,7 +3620,7 @@
               <a:pPr>
                 <a:defRPr/>
               </a:pPr>
-              <a:t>7/3/2023</a:t>
+              <a:t>9/14/2023</a:t>
             </a:fld>
             <a:endParaRPr lang="en-US" dirty="0">
               <a:solidFill>
@@ -3828,7 +3828,7 @@
               <a:pPr>
                 <a:defRPr/>
               </a:pPr>
-              <a:t>7/3/2023</a:t>
+              <a:t>9/14/2023</a:t>
             </a:fld>
             <a:endParaRPr lang="en-US" dirty="0"/>
           </a:p>
@@ -4111,7 +4111,7 @@
               <a:pPr>
                 <a:defRPr/>
               </a:pPr>
-              <a:t>7/3/2023</a:t>
+              <a:t>9/14/2023</a:t>
             </a:fld>
             <a:endParaRPr lang="en-US" dirty="0">
               <a:solidFill>
@@ -4325,7 +4325,7 @@
               <a:pPr>
                 <a:defRPr/>
               </a:pPr>
-              <a:t>7/3/2023</a:t>
+              <a:t>9/14/2023</a:t>
             </a:fld>
             <a:endParaRPr lang="en-US" dirty="0">
               <a:solidFill>
@@ -4549,7 +4549,7 @@
               <a:pPr>
                 <a:defRPr/>
               </a:pPr>
-              <a:t>7/3/2023</a:t>
+              <a:t>9/14/2023</a:t>
             </a:fld>
             <a:endParaRPr lang="en-US" dirty="0">
               <a:solidFill>
@@ -4759,7 +4759,7 @@
               <a:pPr>
                 <a:defRPr/>
               </a:pPr>
-              <a:t>7/3/2023</a:t>
+              <a:t>9/14/2023</a:t>
             </a:fld>
             <a:endParaRPr lang="en-US" dirty="0">
               <a:solidFill>
@@ -5036,7 +5036,7 @@
               <a:pPr>
                 <a:defRPr/>
               </a:pPr>
-              <a:t>7/3/2023</a:t>
+              <a:t>9/14/2023</a:t>
             </a:fld>
             <a:endParaRPr lang="en-US" dirty="0"/>
           </a:p>
@@ -5343,7 +5343,7 @@
               <a:pPr>
                 <a:defRPr/>
               </a:pPr>
-              <a:t>7/3/2023</a:t>
+              <a:t>9/14/2023</a:t>
             </a:fld>
             <a:endParaRPr lang="en-US" dirty="0"/>
           </a:p>
@@ -5784,7 +5784,7 @@
               <a:pPr>
                 <a:defRPr/>
               </a:pPr>
-              <a:t>7/3/2023</a:t>
+              <a:t>9/14/2023</a:t>
             </a:fld>
             <a:endParaRPr lang="en-US" dirty="0"/>
           </a:p>
@@ -5923,7 +5923,7 @@
               <a:pPr>
                 <a:defRPr/>
               </a:pPr>
-              <a:t>7/3/2023</a:t>
+              <a:t>9/14/2023</a:t>
             </a:fld>
             <a:endParaRPr lang="en-US" dirty="0"/>
           </a:p>
@@ -6040,7 +6040,7 @@
               <a:pPr>
                 <a:defRPr/>
               </a:pPr>
-              <a:t>7/3/2023</a:t>
+              <a:t>9/14/2023</a:t>
             </a:fld>
             <a:endParaRPr lang="en-US" dirty="0"/>
           </a:p>
@@ -6337,7 +6337,7 @@
               <a:pPr>
                 <a:defRPr/>
               </a:pPr>
-              <a:t>7/3/2023</a:t>
+              <a:t>9/14/2023</a:t>
             </a:fld>
             <a:endParaRPr lang="en-US" dirty="0"/>
           </a:p>
@@ -6614,7 +6614,7 @@
               <a:pPr>
                 <a:defRPr/>
               </a:pPr>
-              <a:t>7/3/2023</a:t>
+              <a:t>9/14/2023</a:t>
             </a:fld>
             <a:endParaRPr lang="en-US" dirty="0"/>
           </a:p>
@@ -6871,7 +6871,7 @@
               <a:pPr>
                 <a:defRPr/>
               </a:pPr>
-              <a:t>7/3/2023</a:t>
+              <a:t>9/14/2023</a:t>
             </a:fld>
             <a:endParaRPr lang="en-US" dirty="0"/>
           </a:p>
@@ -7581,7 +7581,7 @@
               <a:pPr>
                 <a:defRPr/>
               </a:pPr>
-              <a:t>7/3/2023</a:t>
+              <a:t>9/14/2023</a:t>
             </a:fld>
             <a:endParaRPr lang="en-US" dirty="0">
               <a:solidFill>
@@ -12446,8 +12446,21 @@
                   <a:srgbClr val="404040"/>
                 </a:solidFill>
               </a:rPr>
-              <a:t>Randomly Assigned to Research Groups of 4 or 5</a:t>
-            </a:r>
+              <a:t>Randomly Assigned to Research Groups </a:t>
+            </a:r>
+            <a:r>
+              <a:rPr lang="en-US">
+                <a:solidFill>
+                  <a:srgbClr val="404040"/>
+                </a:solidFill>
+              </a:rPr>
+              <a:t>of 5 or 6</a:t>
+            </a:r>
+            <a:endParaRPr lang="en-US" dirty="0">
+              <a:solidFill>
+                <a:srgbClr val="404040"/>
+              </a:solidFill>
+            </a:endParaRPr>
           </a:p>
           <a:p>
             <a:pPr marL="342900" indent="-342900">

--- a/Lecture/Final Project 1/Final_Project_1_Lecture.pptx
+++ b/Lecture/Final Project 1/Final_Project_1_Lecture.pptx
@@ -305,7 +305,7 @@
               <a:pPr>
                 <a:defRPr/>
               </a:pPr>
-              <a:t>9/14/2023</a:t>
+              <a:t>9/17/2023</a:t>
             </a:fld>
             <a:endParaRPr lang="en-US" dirty="0"/>
           </a:p>
@@ -517,7 +517,7 @@
               <a:pPr>
                 <a:defRPr/>
               </a:pPr>
-              <a:t>9/14/2023</a:t>
+              <a:t>9/17/2023</a:t>
             </a:fld>
             <a:endParaRPr lang="en-US" dirty="0"/>
           </a:p>
@@ -1036,7 +1036,7 @@
               <a:pPr>
                 <a:defRPr/>
               </a:pPr>
-              <a:t>9/14/2023</a:t>
+              <a:t>9/17/2023</a:t>
             </a:fld>
             <a:endParaRPr lang="en-US" dirty="0"/>
           </a:p>
@@ -1226,7 +1226,7 @@
               <a:pPr>
                 <a:defRPr/>
               </a:pPr>
-              <a:t>9/14/2023</a:t>
+              <a:t>9/17/2023</a:t>
             </a:fld>
             <a:endParaRPr lang="en-US" dirty="0"/>
           </a:p>
@@ -1426,7 +1426,7 @@
               <a:pPr>
                 <a:defRPr/>
               </a:pPr>
-              <a:t>9/14/2023</a:t>
+              <a:t>9/17/2023</a:t>
             </a:fld>
             <a:endParaRPr lang="en-US" dirty="0"/>
           </a:p>
@@ -1694,7 +1694,7 @@
               <a:pPr>
                 <a:defRPr/>
               </a:pPr>
-              <a:t>9/14/2023</a:t>
+              <a:t>9/17/2023</a:t>
             </a:fld>
             <a:endParaRPr lang="en-US" dirty="0">
               <a:solidFill>
@@ -1908,7 +1908,7 @@
               <a:pPr>
                 <a:defRPr/>
               </a:pPr>
-              <a:t>9/14/2023</a:t>
+              <a:t>9/17/2023</a:t>
             </a:fld>
             <a:endParaRPr lang="en-US" dirty="0">
               <a:solidFill>
@@ -2199,7 +2199,7 @@
               <a:pPr>
                 <a:defRPr/>
               </a:pPr>
-              <a:t>9/14/2023</a:t>
+              <a:t>9/17/2023</a:t>
             </a:fld>
             <a:endParaRPr lang="en-US" dirty="0">
               <a:solidFill>
@@ -2530,7 +2530,7 @@
               <a:pPr>
                 <a:defRPr/>
               </a:pPr>
-              <a:t>9/14/2023</a:t>
+              <a:t>9/17/2023</a:t>
             </a:fld>
             <a:endParaRPr lang="en-US" dirty="0">
               <a:solidFill>
@@ -2995,7 +2995,7 @@
               <a:pPr>
                 <a:defRPr/>
               </a:pPr>
-              <a:t>9/14/2023</a:t>
+              <a:t>9/17/2023</a:t>
             </a:fld>
             <a:endParaRPr lang="en-US" dirty="0">
               <a:solidFill>
@@ -3158,7 +3158,7 @@
               <a:pPr>
                 <a:defRPr/>
               </a:pPr>
-              <a:t>9/14/2023</a:t>
+              <a:t>9/17/2023</a:t>
             </a:fld>
             <a:endParaRPr lang="en-US" dirty="0">
               <a:solidFill>
@@ -3299,7 +3299,7 @@
               <a:pPr>
                 <a:defRPr/>
               </a:pPr>
-              <a:t>9/14/2023</a:t>
+              <a:t>9/17/2023</a:t>
             </a:fld>
             <a:endParaRPr lang="en-US" dirty="0">
               <a:solidFill>
@@ -3620,7 +3620,7 @@
               <a:pPr>
                 <a:defRPr/>
               </a:pPr>
-              <a:t>9/14/2023</a:t>
+              <a:t>9/17/2023</a:t>
             </a:fld>
             <a:endParaRPr lang="en-US" dirty="0">
               <a:solidFill>
@@ -3828,7 +3828,7 @@
               <a:pPr>
                 <a:defRPr/>
               </a:pPr>
-              <a:t>9/14/2023</a:t>
+              <a:t>9/17/2023</a:t>
             </a:fld>
             <a:endParaRPr lang="en-US" dirty="0"/>
           </a:p>
@@ -4111,7 +4111,7 @@
               <a:pPr>
                 <a:defRPr/>
               </a:pPr>
-              <a:t>9/14/2023</a:t>
+              <a:t>9/17/2023</a:t>
             </a:fld>
             <a:endParaRPr lang="en-US" dirty="0">
               <a:solidFill>
@@ -4325,7 +4325,7 @@
               <a:pPr>
                 <a:defRPr/>
               </a:pPr>
-              <a:t>9/14/2023</a:t>
+              <a:t>9/17/2023</a:t>
             </a:fld>
             <a:endParaRPr lang="en-US" dirty="0">
               <a:solidFill>
@@ -4549,7 +4549,7 @@
               <a:pPr>
                 <a:defRPr/>
               </a:pPr>
-              <a:t>9/14/2023</a:t>
+              <a:t>9/17/2023</a:t>
             </a:fld>
             <a:endParaRPr lang="en-US" dirty="0">
               <a:solidFill>
@@ -4759,7 +4759,7 @@
               <a:pPr>
                 <a:defRPr/>
               </a:pPr>
-              <a:t>9/14/2023</a:t>
+              <a:t>9/17/2023</a:t>
             </a:fld>
             <a:endParaRPr lang="en-US" dirty="0">
               <a:solidFill>
@@ -5036,7 +5036,7 @@
               <a:pPr>
                 <a:defRPr/>
               </a:pPr>
-              <a:t>9/14/2023</a:t>
+              <a:t>9/17/2023</a:t>
             </a:fld>
             <a:endParaRPr lang="en-US" dirty="0"/>
           </a:p>
@@ -5343,7 +5343,7 @@
               <a:pPr>
                 <a:defRPr/>
               </a:pPr>
-              <a:t>9/14/2023</a:t>
+              <a:t>9/17/2023</a:t>
             </a:fld>
             <a:endParaRPr lang="en-US" dirty="0"/>
           </a:p>
@@ -5784,7 +5784,7 @@
               <a:pPr>
                 <a:defRPr/>
               </a:pPr>
-              <a:t>9/14/2023</a:t>
+              <a:t>9/17/2023</a:t>
             </a:fld>
             <a:endParaRPr lang="en-US" dirty="0"/>
           </a:p>
@@ -5923,7 +5923,7 @@
               <a:pPr>
                 <a:defRPr/>
               </a:pPr>
-              <a:t>9/14/2023</a:t>
+              <a:t>9/17/2023</a:t>
             </a:fld>
             <a:endParaRPr lang="en-US" dirty="0"/>
           </a:p>
@@ -6040,7 +6040,7 @@
               <a:pPr>
                 <a:defRPr/>
               </a:pPr>
-              <a:t>9/14/2023</a:t>
+              <a:t>9/17/2023</a:t>
             </a:fld>
             <a:endParaRPr lang="en-US" dirty="0"/>
           </a:p>
@@ -6337,7 +6337,7 @@
               <a:pPr>
                 <a:defRPr/>
               </a:pPr>
-              <a:t>9/14/2023</a:t>
+              <a:t>9/17/2023</a:t>
             </a:fld>
             <a:endParaRPr lang="en-US" dirty="0"/>
           </a:p>
@@ -6614,7 +6614,7 @@
               <a:pPr>
                 <a:defRPr/>
               </a:pPr>
-              <a:t>9/14/2023</a:t>
+              <a:t>9/17/2023</a:t>
             </a:fld>
             <a:endParaRPr lang="en-US" dirty="0"/>
           </a:p>
@@ -6871,7 +6871,7 @@
               <a:pPr>
                 <a:defRPr/>
               </a:pPr>
-              <a:t>9/14/2023</a:t>
+              <a:t>9/17/2023</a:t>
             </a:fld>
             <a:endParaRPr lang="en-US" dirty="0"/>
           </a:p>
@@ -7581,7 +7581,7 @@
               <a:pPr>
                 <a:defRPr/>
               </a:pPr>
-              <a:t>9/14/2023</a:t>
+              <a:t>9/17/2023</a:t>
             </a:fld>
             <a:endParaRPr lang="en-US" dirty="0">
               <a:solidFill>
@@ -9145,7 +9145,7 @@
         <p:spPr>
           <a:xfrm>
             <a:off x="3962400" y="643467"/>
-            <a:ext cx="5029200" cy="6309420"/>
+            <a:ext cx="5029200" cy="6001643"/>
           </a:xfrm>
           <a:prstGeom prst="rect">
             <a:avLst/>
@@ -9207,7 +9207,7 @@
                   <a:srgbClr val="404040"/>
                 </a:solidFill>
               </a:rPr>
-              <a:t>Schedule a 5 Minute Meeting in Office Hours Within 4 Days After Due Date </a:t>
+              <a:t>Schedule a 5 Minute Meeting in Office Hours Before Due Date</a:t>
             </a:r>
           </a:p>
           <a:p>
@@ -14763,7 +14763,7 @@
                   <a:srgbClr val="404040"/>
                 </a:solidFill>
               </a:rPr>
-              <a:t>Submit All Templates Before 5 PM on Due Dates in HTML</a:t>
+              <a:t>Submit All Templates Before 11:59PM on Due Dates in HTML</a:t>
             </a:r>
           </a:p>
           <a:p>

--- a/Lecture/Final Project 1/Final_Project_1_Lecture.pptx
+++ b/Lecture/Final Project 1/Final_Project_1_Lecture.pptx
@@ -305,7 +305,7 @@
               <a:pPr>
                 <a:defRPr/>
               </a:pPr>
-              <a:t>9/17/2023</a:t>
+              <a:t>9/19/2023</a:t>
             </a:fld>
             <a:endParaRPr lang="en-US" dirty="0"/>
           </a:p>
@@ -517,7 +517,7 @@
               <a:pPr>
                 <a:defRPr/>
               </a:pPr>
-              <a:t>9/17/2023</a:t>
+              <a:t>9/19/2023</a:t>
             </a:fld>
             <a:endParaRPr lang="en-US" dirty="0"/>
           </a:p>
@@ -1036,7 +1036,7 @@
               <a:pPr>
                 <a:defRPr/>
               </a:pPr>
-              <a:t>9/17/2023</a:t>
+              <a:t>9/19/2023</a:t>
             </a:fld>
             <a:endParaRPr lang="en-US" dirty="0"/>
           </a:p>
@@ -1226,7 +1226,7 @@
               <a:pPr>
                 <a:defRPr/>
               </a:pPr>
-              <a:t>9/17/2023</a:t>
+              <a:t>9/19/2023</a:t>
             </a:fld>
             <a:endParaRPr lang="en-US" dirty="0"/>
           </a:p>
@@ -1426,7 +1426,7 @@
               <a:pPr>
                 <a:defRPr/>
               </a:pPr>
-              <a:t>9/17/2023</a:t>
+              <a:t>9/19/2023</a:t>
             </a:fld>
             <a:endParaRPr lang="en-US" dirty="0"/>
           </a:p>
@@ -1694,7 +1694,7 @@
               <a:pPr>
                 <a:defRPr/>
               </a:pPr>
-              <a:t>9/17/2023</a:t>
+              <a:t>9/19/2023</a:t>
             </a:fld>
             <a:endParaRPr lang="en-US" dirty="0">
               <a:solidFill>
@@ -1908,7 +1908,7 @@
               <a:pPr>
                 <a:defRPr/>
               </a:pPr>
-              <a:t>9/17/2023</a:t>
+              <a:t>9/19/2023</a:t>
             </a:fld>
             <a:endParaRPr lang="en-US" dirty="0">
               <a:solidFill>
@@ -2199,7 +2199,7 @@
               <a:pPr>
                 <a:defRPr/>
               </a:pPr>
-              <a:t>9/17/2023</a:t>
+              <a:t>9/19/2023</a:t>
             </a:fld>
             <a:endParaRPr lang="en-US" dirty="0">
               <a:solidFill>
@@ -2530,7 +2530,7 @@
               <a:pPr>
                 <a:defRPr/>
               </a:pPr>
-              <a:t>9/17/2023</a:t>
+              <a:t>9/19/2023</a:t>
             </a:fld>
             <a:endParaRPr lang="en-US" dirty="0">
               <a:solidFill>
@@ -2995,7 +2995,7 @@
               <a:pPr>
                 <a:defRPr/>
               </a:pPr>
-              <a:t>9/17/2023</a:t>
+              <a:t>9/19/2023</a:t>
             </a:fld>
             <a:endParaRPr lang="en-US" dirty="0">
               <a:solidFill>
@@ -3158,7 +3158,7 @@
               <a:pPr>
                 <a:defRPr/>
               </a:pPr>
-              <a:t>9/17/2023</a:t>
+              <a:t>9/19/2023</a:t>
             </a:fld>
             <a:endParaRPr lang="en-US" dirty="0">
               <a:solidFill>
@@ -3299,7 +3299,7 @@
               <a:pPr>
                 <a:defRPr/>
               </a:pPr>
-              <a:t>9/17/2023</a:t>
+              <a:t>9/19/2023</a:t>
             </a:fld>
             <a:endParaRPr lang="en-US" dirty="0">
               <a:solidFill>
@@ -3620,7 +3620,7 @@
               <a:pPr>
                 <a:defRPr/>
               </a:pPr>
-              <a:t>9/17/2023</a:t>
+              <a:t>9/19/2023</a:t>
             </a:fld>
             <a:endParaRPr lang="en-US" dirty="0">
               <a:solidFill>
@@ -3828,7 +3828,7 @@
               <a:pPr>
                 <a:defRPr/>
               </a:pPr>
-              <a:t>9/17/2023</a:t>
+              <a:t>9/19/2023</a:t>
             </a:fld>
             <a:endParaRPr lang="en-US" dirty="0"/>
           </a:p>
@@ -4111,7 +4111,7 @@
               <a:pPr>
                 <a:defRPr/>
               </a:pPr>
-              <a:t>9/17/2023</a:t>
+              <a:t>9/19/2023</a:t>
             </a:fld>
             <a:endParaRPr lang="en-US" dirty="0">
               <a:solidFill>
@@ -4325,7 +4325,7 @@
               <a:pPr>
                 <a:defRPr/>
               </a:pPr>
-              <a:t>9/17/2023</a:t>
+              <a:t>9/19/2023</a:t>
             </a:fld>
             <a:endParaRPr lang="en-US" dirty="0">
               <a:solidFill>
@@ -4549,7 +4549,7 @@
               <a:pPr>
                 <a:defRPr/>
               </a:pPr>
-              <a:t>9/17/2023</a:t>
+              <a:t>9/19/2023</a:t>
             </a:fld>
             <a:endParaRPr lang="en-US" dirty="0">
               <a:solidFill>
@@ -4759,7 +4759,7 @@
               <a:pPr>
                 <a:defRPr/>
               </a:pPr>
-              <a:t>9/17/2023</a:t>
+              <a:t>9/19/2023</a:t>
             </a:fld>
             <a:endParaRPr lang="en-US" dirty="0">
               <a:solidFill>
@@ -5036,7 +5036,7 @@
               <a:pPr>
                 <a:defRPr/>
               </a:pPr>
-              <a:t>9/17/2023</a:t>
+              <a:t>9/19/2023</a:t>
             </a:fld>
             <a:endParaRPr lang="en-US" dirty="0"/>
           </a:p>
@@ -5343,7 +5343,7 @@
               <a:pPr>
                 <a:defRPr/>
               </a:pPr>
-              <a:t>9/17/2023</a:t>
+              <a:t>9/19/2023</a:t>
             </a:fld>
             <a:endParaRPr lang="en-US" dirty="0"/>
           </a:p>
@@ -5784,7 +5784,7 @@
               <a:pPr>
                 <a:defRPr/>
               </a:pPr>
-              <a:t>9/17/2023</a:t>
+              <a:t>9/19/2023</a:t>
             </a:fld>
             <a:endParaRPr lang="en-US" dirty="0"/>
           </a:p>
@@ -5923,7 +5923,7 @@
               <a:pPr>
                 <a:defRPr/>
               </a:pPr>
-              <a:t>9/17/2023</a:t>
+              <a:t>9/19/2023</a:t>
             </a:fld>
             <a:endParaRPr lang="en-US" dirty="0"/>
           </a:p>
@@ -6040,7 +6040,7 @@
               <a:pPr>
                 <a:defRPr/>
               </a:pPr>
-              <a:t>9/17/2023</a:t>
+              <a:t>9/19/2023</a:t>
             </a:fld>
             <a:endParaRPr lang="en-US" dirty="0"/>
           </a:p>
@@ -6337,7 +6337,7 @@
               <a:pPr>
                 <a:defRPr/>
               </a:pPr>
-              <a:t>9/17/2023</a:t>
+              <a:t>9/19/2023</a:t>
             </a:fld>
             <a:endParaRPr lang="en-US" dirty="0"/>
           </a:p>
@@ -6614,7 +6614,7 @@
               <a:pPr>
                 <a:defRPr/>
               </a:pPr>
-              <a:t>9/17/2023</a:t>
+              <a:t>9/19/2023</a:t>
             </a:fld>
             <a:endParaRPr lang="en-US" dirty="0"/>
           </a:p>
@@ -6871,7 +6871,7 @@
               <a:pPr>
                 <a:defRPr/>
               </a:pPr>
-              <a:t>9/17/2023</a:t>
+              <a:t>9/19/2023</a:t>
             </a:fld>
             <a:endParaRPr lang="en-US" dirty="0"/>
           </a:p>
@@ -7581,7 +7581,7 @@
               <a:pPr>
                 <a:defRPr/>
               </a:pPr>
-              <a:t>9/17/2023</a:t>
+              <a:t>9/19/2023</a:t>
             </a:fld>
             <a:endParaRPr lang="en-US" dirty="0">
               <a:solidFill>
@@ -10450,7 +10450,7 @@
                   <a:srgbClr val="404040"/>
                 </a:solidFill>
               </a:rPr>
-              <a:t>Schedule a 10-Minute Presentation in Office Hours within 4 Days After Due Date (I)</a:t>
+              <a:t>Schedule a 10-Minute Presentation in Office Hours Before End of Semester(I)</a:t>
             </a:r>
           </a:p>
         </p:txBody>
